--- a/Documentación/Entregables - Fase 2/Evidencia Proyecto/Formato Presentación final.pptx
+++ b/Documentación/Entregables - Fase 2/Evidencia Proyecto/Formato Presentación final.pptx
@@ -128,10 +128,7 @@
 <file path=ppt/revisionInfo.xml><?xml version="1.0" encoding="utf-8"?>
 <p1510:revInfo xmlns:a="http://schemas.openxmlformats.org/drawingml/2006/main" xmlns:r="http://schemas.openxmlformats.org/officeDocument/2006/relationships" xmlns:p1510="http://schemas.microsoft.com/office/powerpoint/2015/10/main">
   <p1510:revLst>
-    <p1510:client id="{57F0D7E8-F1BB-3271-2A2F-9907B9E74309}" v="303" dt="2025-10-29T20:52:45.296"/>
-    <p1510:client id="{A9CECCA7-DA54-94EA-0D51-1BCEC4F24117}" v="572" dt="2025-10-30T02:47:12.182"/>
-    <p1510:client id="{CD78367F-D27A-97D4-0933-AE0B4F0E397F}" v="674" dt="2025-10-30T02:54:16.669"/>
-    <p1510:client id="{D2A39F7D-6C3B-CDA6-20A0-25BE50642E60}" v="553" dt="2025-10-29T03:09:24.553"/>
+    <p1510:client id="{7B905215-D68D-9AC8-5223-9DC2DB96081B}" v="313" dt="2025-11-25T00:50:00.575"/>
   </p1510:revLst>
 </p1510:revInfo>
 </file>
@@ -283,14 +280,6 @@
             <ac:spMk id="7" creationId="{3A739E92-330D-944C-ED3E-C7F02FA216B3}"/>
           </ac:spMkLst>
         </pc:spChg>
-        <pc:picChg chg="add del mod">
-          <ac:chgData name="FERNANDA . MARIN GONZALEZ" userId="S::fern.marin@duocuc.cl::2297aa7b-50ce-4537-9205-6914c07831d4" providerId="AD" clId="Web-{D2A39F7D-6C3B-CDA6-20A0-25BE50642E60}" dt="2025-10-29T03:02:45.575" v="489"/>
-          <ac:picMkLst>
-            <pc:docMk/>
-            <pc:sldMk cId="3964199749" sldId="260"/>
-            <ac:picMk id="2" creationId="{08B030FB-6F50-EA41-25C6-234F2F914473}"/>
-          </ac:picMkLst>
-        </pc:picChg>
         <pc:picChg chg="add mod modCrop">
           <ac:chgData name="FERNANDA . MARIN GONZALEZ" userId="S::fern.marin@duocuc.cl::2297aa7b-50ce-4537-9205-6914c07831d4" providerId="AD" clId="Web-{D2A39F7D-6C3B-CDA6-20A0-25BE50642E60}" dt="2025-10-29T03:04:50.530" v="503" actId="1076"/>
           <ac:picMkLst>
@@ -461,14 +450,6 @@
             <ac:graphicFrameMk id="3" creationId="{2DC2EB75-2991-D9F7-0FF2-6CD60DDDBBE3}"/>
           </ac:graphicFrameMkLst>
         </pc:graphicFrameChg>
-        <pc:graphicFrameChg chg="del">
-          <ac:chgData name="FERNANDA . MARIN GONZALEZ" userId="S::fern.marin@duocuc.cl::2297aa7b-50ce-4537-9205-6914c07831d4" providerId="AD" clId="Web-{A9CECCA7-DA54-94EA-0D51-1BCEC4F24117}" dt="2025-10-30T01:17:26.610" v="16"/>
-          <ac:graphicFrameMkLst>
-            <pc:docMk/>
-            <pc:sldMk cId="3324313383" sldId="262"/>
-            <ac:graphicFrameMk id="4" creationId="{7BB5CADE-DDA2-A4F7-629E-7AEEB49F57D7}"/>
-          </ac:graphicFrameMkLst>
-        </pc:graphicFrameChg>
       </pc:sldChg>
       <pc:sldChg chg="addSp delSp modSp">
         <pc:chgData name="FERNANDA . MARIN GONZALEZ" userId="S::fern.marin@duocuc.cl::2297aa7b-50ce-4537-9205-6914c07831d4" providerId="AD" clId="Web-{A9CECCA7-DA54-94EA-0D51-1BCEC4F24117}" dt="2025-10-30T02:19:07.665" v="480" actId="14100"/>
@@ -476,22 +457,6 @@
           <pc:docMk/>
           <pc:sldMk cId="1890491460" sldId="263"/>
         </pc:sldMkLst>
-        <pc:spChg chg="add mod">
-          <ac:chgData name="FERNANDA . MARIN GONZALEZ" userId="S::fern.marin@duocuc.cl::2297aa7b-50ce-4537-9205-6914c07831d4" providerId="AD" clId="Web-{A9CECCA7-DA54-94EA-0D51-1BCEC4F24117}" dt="2025-10-30T01:51:06.033" v="231" actId="20577"/>
-          <ac:spMkLst>
-            <pc:docMk/>
-            <pc:sldMk cId="1890491460" sldId="263"/>
-            <ac:spMk id="3" creationId="{6C89EB8C-C80B-D0C3-6265-C787B89A0C3C}"/>
-          </ac:spMkLst>
-        </pc:spChg>
-        <pc:spChg chg="add del mod">
-          <ac:chgData name="FERNANDA . MARIN GONZALEZ" userId="S::fern.marin@duocuc.cl::2297aa7b-50ce-4537-9205-6914c07831d4" providerId="AD" clId="Web-{A9CECCA7-DA54-94EA-0D51-1BCEC4F24117}" dt="2025-10-30T01:54:55" v="264"/>
-          <ac:spMkLst>
-            <pc:docMk/>
-            <pc:sldMk cId="1890491460" sldId="263"/>
-            <ac:spMk id="4" creationId="{17A30663-5852-EACA-E369-802F7005BF9E}"/>
-          </ac:spMkLst>
-        </pc:spChg>
         <pc:spChg chg="mod">
           <ac:chgData name="FERNANDA . MARIN GONZALEZ" userId="S::fern.marin@duocuc.cl::2297aa7b-50ce-4537-9205-6914c07831d4" providerId="AD" clId="Web-{A9CECCA7-DA54-94EA-0D51-1BCEC4F24117}" dt="2025-10-30T01:35:47.890" v="62" actId="1076"/>
           <ac:spMkLst>
@@ -500,350 +465,6 @@
             <ac:spMk id="7" creationId="{3A739E92-330D-944C-ED3E-C7F02FA216B3}"/>
           </ac:spMkLst>
         </pc:spChg>
-        <pc:spChg chg="add mod">
-          <ac:chgData name="FERNANDA . MARIN GONZALEZ" userId="S::fern.marin@duocuc.cl::2297aa7b-50ce-4537-9205-6914c07831d4" providerId="AD" clId="Web-{A9CECCA7-DA54-94EA-0D51-1BCEC4F24117}" dt="2025-10-30T01:58:14.450" v="299" actId="14100"/>
-          <ac:spMkLst>
-            <pc:docMk/>
-            <pc:sldMk cId="1890491460" sldId="263"/>
-            <ac:spMk id="10" creationId="{400C85C3-2BF5-DEE0-BE5D-3F1BF3E28C25}"/>
-          </ac:spMkLst>
-        </pc:spChg>
-        <pc:spChg chg="add mod">
-          <ac:chgData name="FERNANDA . MARIN GONZALEZ" userId="S::fern.marin@duocuc.cl::2297aa7b-50ce-4537-9205-6914c07831d4" providerId="AD" clId="Web-{A9CECCA7-DA54-94EA-0D51-1BCEC4F24117}" dt="2025-10-30T01:56:21.303" v="283" actId="14100"/>
-          <ac:spMkLst>
-            <pc:docMk/>
-            <pc:sldMk cId="1890491460" sldId="263"/>
-            <ac:spMk id="11" creationId="{F4BC1857-F7C1-CA0E-41CF-705A36EA2B73}"/>
-          </ac:spMkLst>
-        </pc:spChg>
-        <pc:spChg chg="add del mod">
-          <ac:chgData name="FERNANDA . MARIN GONZALEZ" userId="S::fern.marin@duocuc.cl::2297aa7b-50ce-4537-9205-6914c07831d4" providerId="AD" clId="Web-{A9CECCA7-DA54-94EA-0D51-1BCEC4F24117}" dt="2025-10-30T01:54:55" v="263"/>
-          <ac:spMkLst>
-            <pc:docMk/>
-            <pc:sldMk cId="1890491460" sldId="263"/>
-            <ac:spMk id="12" creationId="{1BADC073-B5E3-9F54-F965-F3360CA5D6D4}"/>
-          </ac:spMkLst>
-        </pc:spChg>
-        <pc:spChg chg="add del mod">
-          <ac:chgData name="FERNANDA . MARIN GONZALEZ" userId="S::fern.marin@duocuc.cl::2297aa7b-50ce-4537-9205-6914c07831d4" providerId="AD" clId="Web-{A9CECCA7-DA54-94EA-0D51-1BCEC4F24117}" dt="2025-10-30T01:54:55" v="262"/>
-          <ac:spMkLst>
-            <pc:docMk/>
-            <pc:sldMk cId="1890491460" sldId="263"/>
-            <ac:spMk id="13" creationId="{A1EF8C07-79E1-674A-EC09-12129440C292}"/>
-          </ac:spMkLst>
-        </pc:spChg>
-        <pc:spChg chg="add mod">
-          <ac:chgData name="FERNANDA . MARIN GONZALEZ" userId="S::fern.marin@duocuc.cl::2297aa7b-50ce-4537-9205-6914c07831d4" providerId="AD" clId="Web-{A9CECCA7-DA54-94EA-0D51-1BCEC4F24117}" dt="2025-10-30T02:06:13.216" v="437" actId="1076"/>
-          <ac:spMkLst>
-            <pc:docMk/>
-            <pc:sldMk cId="1890491460" sldId="263"/>
-            <ac:spMk id="17" creationId="{C5251A23-FD32-3F2D-5C62-948C672499F9}"/>
-          </ac:spMkLst>
-        </pc:spChg>
-        <pc:spChg chg="add mod">
-          <ac:chgData name="FERNANDA . MARIN GONZALEZ" userId="S::fern.marin@duocuc.cl::2297aa7b-50ce-4537-9205-6914c07831d4" providerId="AD" clId="Web-{A9CECCA7-DA54-94EA-0D51-1BCEC4F24117}" dt="2025-10-30T02:19:07.665" v="480" actId="14100"/>
-          <ac:spMkLst>
-            <pc:docMk/>
-            <pc:sldMk cId="1890491460" sldId="263"/>
-            <ac:spMk id="19" creationId="{D9CE57B3-7C75-BD37-D5E8-19C59B43FB01}"/>
-          </ac:spMkLst>
-        </pc:spChg>
-        <pc:spChg chg="add mod">
-          <ac:chgData name="FERNANDA . MARIN GONZALEZ" userId="S::fern.marin@duocuc.cl::2297aa7b-50ce-4537-9205-6914c07831d4" providerId="AD" clId="Web-{A9CECCA7-DA54-94EA-0D51-1BCEC4F24117}" dt="2025-10-30T01:49:25.229" v="191" actId="1076"/>
-          <ac:spMkLst>
-            <pc:docMk/>
-            <pc:sldMk cId="1890491460" sldId="263"/>
-            <ac:spMk id="24" creationId="{FB68BE9B-0785-38F0-8502-3358BC475815}"/>
-          </ac:spMkLst>
-        </pc:spChg>
-        <pc:spChg chg="add mod">
-          <ac:chgData name="FERNANDA . MARIN GONZALEZ" userId="S::fern.marin@duocuc.cl::2297aa7b-50ce-4537-9205-6914c07831d4" providerId="AD" clId="Web-{A9CECCA7-DA54-94EA-0D51-1BCEC4F24117}" dt="2025-10-30T01:58:12.232" v="298" actId="1076"/>
-          <ac:spMkLst>
-            <pc:docMk/>
-            <pc:sldMk cId="1890491460" sldId="263"/>
-            <ac:spMk id="25" creationId="{640DC361-1119-02F0-44B1-9B19880CE470}"/>
-          </ac:spMkLst>
-        </pc:spChg>
-        <pc:spChg chg="add del mod">
-          <ac:chgData name="FERNANDA . MARIN GONZALEZ" userId="S::fern.marin@duocuc.cl::2297aa7b-50ce-4537-9205-6914c07831d4" providerId="AD" clId="Web-{A9CECCA7-DA54-94EA-0D51-1BCEC4F24117}" dt="2025-10-30T01:50:29.012" v="211"/>
-          <ac:spMkLst>
-            <pc:docMk/>
-            <pc:sldMk cId="1890491460" sldId="263"/>
-            <ac:spMk id="26" creationId="{06A2A061-3A6B-7C54-9A62-7540DC08A4F3}"/>
-          </ac:spMkLst>
-        </pc:spChg>
-        <pc:spChg chg="add mod">
-          <ac:chgData name="FERNANDA . MARIN GONZALEZ" userId="S::fern.marin@duocuc.cl::2297aa7b-50ce-4537-9205-6914c07831d4" providerId="AD" clId="Web-{A9CECCA7-DA54-94EA-0D51-1BCEC4F24117}" dt="2025-10-30T01:58:04.637" v="295" actId="20577"/>
-          <ac:spMkLst>
-            <pc:docMk/>
-            <pc:sldMk cId="1890491460" sldId="263"/>
-            <ac:spMk id="27" creationId="{0150EC53-1FEC-EAFB-CEF0-0812C386F265}"/>
-          </ac:spMkLst>
-        </pc:spChg>
-        <pc:spChg chg="add mod">
-          <ac:chgData name="FERNANDA . MARIN GONZALEZ" userId="S::fern.marin@duocuc.cl::2297aa7b-50ce-4537-9205-6914c07831d4" providerId="AD" clId="Web-{A9CECCA7-DA54-94EA-0D51-1BCEC4F24117}" dt="2025-10-30T01:56:35.757" v="287" actId="14100"/>
-          <ac:spMkLst>
-            <pc:docMk/>
-            <pc:sldMk cId="1890491460" sldId="263"/>
-            <ac:spMk id="28" creationId="{B2E81451-AA94-69BA-6BAD-42F3E72001A3}"/>
-          </ac:spMkLst>
-        </pc:spChg>
-        <pc:spChg chg="add mod">
-          <ac:chgData name="FERNANDA . MARIN GONZALEZ" userId="S::fern.marin@duocuc.cl::2297aa7b-50ce-4537-9205-6914c07831d4" providerId="AD" clId="Web-{A9CECCA7-DA54-94EA-0D51-1BCEC4F24117}" dt="2025-10-30T01:56:42.805" v="289" actId="20577"/>
-          <ac:spMkLst>
-            <pc:docMk/>
-            <pc:sldMk cId="1890491460" sldId="263"/>
-            <ac:spMk id="29" creationId="{A553399F-EA9F-86BC-AC3F-0468AA31BC24}"/>
-          </ac:spMkLst>
-        </pc:spChg>
-        <pc:spChg chg="add mod ord">
-          <ac:chgData name="FERNANDA . MARIN GONZALEZ" userId="S::fern.marin@duocuc.cl::2297aa7b-50ce-4537-9205-6914c07831d4" providerId="AD" clId="Web-{A9CECCA7-DA54-94EA-0D51-1BCEC4F24117}" dt="2025-10-30T02:02:43.539" v="380" actId="1076"/>
-          <ac:spMkLst>
-            <pc:docMk/>
-            <pc:sldMk cId="1890491460" sldId="263"/>
-            <ac:spMk id="32" creationId="{7F1540C8-DA26-C823-D042-4FB568A622BB}"/>
-          </ac:spMkLst>
-        </pc:spChg>
-        <pc:spChg chg="add del mod">
-          <ac:chgData name="FERNANDA . MARIN GONZALEZ" userId="S::fern.marin@duocuc.cl::2297aa7b-50ce-4537-9205-6914c07831d4" providerId="AD" clId="Web-{A9CECCA7-DA54-94EA-0D51-1BCEC4F24117}" dt="2025-10-30T01:59:54.721" v="323"/>
-          <ac:spMkLst>
-            <pc:docMk/>
-            <pc:sldMk cId="1890491460" sldId="263"/>
-            <ac:spMk id="40" creationId="{A6D34FB2-6B3E-20E2-8B36-4DCB94DA897C}"/>
-          </ac:spMkLst>
-        </pc:spChg>
-        <pc:spChg chg="add del mod">
-          <ac:chgData name="FERNANDA . MARIN GONZALEZ" userId="S::fern.marin@duocuc.cl::2297aa7b-50ce-4537-9205-6914c07831d4" providerId="AD" clId="Web-{A9CECCA7-DA54-94EA-0D51-1BCEC4F24117}" dt="2025-10-30T02:00:34.081" v="335"/>
-          <ac:spMkLst>
-            <pc:docMk/>
-            <pc:sldMk cId="1890491460" sldId="263"/>
-            <ac:spMk id="42" creationId="{21D99353-230E-2C4D-32F8-36DA96EB5746}"/>
-          </ac:spMkLst>
-        </pc:spChg>
-        <pc:spChg chg="add mod">
-          <ac:chgData name="FERNANDA . MARIN GONZALEZ" userId="S::fern.marin@duocuc.cl::2297aa7b-50ce-4537-9205-6914c07831d4" providerId="AD" clId="Web-{A9CECCA7-DA54-94EA-0D51-1BCEC4F24117}" dt="2025-10-30T02:00:56.207" v="344" actId="1076"/>
-          <ac:spMkLst>
-            <pc:docMk/>
-            <pc:sldMk cId="1890491460" sldId="263"/>
-            <ac:spMk id="43" creationId="{EEFD5D5E-FB0A-3093-64FA-17F5A3913CA4}"/>
-          </ac:spMkLst>
-        </pc:spChg>
-        <pc:spChg chg="add mod">
-          <ac:chgData name="FERNANDA . MARIN GONZALEZ" userId="S::fern.marin@duocuc.cl::2297aa7b-50ce-4537-9205-6914c07831d4" providerId="AD" clId="Web-{A9CECCA7-DA54-94EA-0D51-1BCEC4F24117}" dt="2025-10-30T02:03:32.821" v="396"/>
-          <ac:spMkLst>
-            <pc:docMk/>
-            <pc:sldMk cId="1890491460" sldId="263"/>
-            <ac:spMk id="44" creationId="{43F0E367-CB63-CAE5-576F-D3EB77D2BB54}"/>
-          </ac:spMkLst>
-        </pc:spChg>
-        <pc:spChg chg="add mod">
-          <ac:chgData name="FERNANDA . MARIN GONZALEZ" userId="S::fern.marin@duocuc.cl::2297aa7b-50ce-4537-9205-6914c07831d4" providerId="AD" clId="Web-{A9CECCA7-DA54-94EA-0D51-1BCEC4F24117}" dt="2025-10-30T02:05:00.839" v="426" actId="1076"/>
-          <ac:spMkLst>
-            <pc:docMk/>
-            <pc:sldMk cId="1890491460" sldId="263"/>
-            <ac:spMk id="45" creationId="{8F846CC6-E7EF-BF4B-D99C-6D6311003729}"/>
-          </ac:spMkLst>
-        </pc:spChg>
-        <pc:spChg chg="add del mod">
-          <ac:chgData name="FERNANDA . MARIN GONZALEZ" userId="S::fern.marin@duocuc.cl::2297aa7b-50ce-4537-9205-6914c07831d4" providerId="AD" clId="Web-{A9CECCA7-DA54-94EA-0D51-1BCEC4F24117}" dt="2025-10-30T02:01:53.787" v="364"/>
-          <ac:spMkLst>
-            <pc:docMk/>
-            <pc:sldMk cId="1890491460" sldId="263"/>
-            <ac:spMk id="46" creationId="{A5ED8710-D2CB-34BD-7C5F-607D9BDE87C6}"/>
-          </ac:spMkLst>
-        </pc:spChg>
-        <pc:spChg chg="add mod">
-          <ac:chgData name="FERNANDA . MARIN GONZALEZ" userId="S::fern.marin@duocuc.cl::2297aa7b-50ce-4537-9205-6914c07831d4" providerId="AD" clId="Web-{A9CECCA7-DA54-94EA-0D51-1BCEC4F24117}" dt="2025-10-30T02:03:32.853" v="398"/>
-          <ac:spMkLst>
-            <pc:docMk/>
-            <pc:sldMk cId="1890491460" sldId="263"/>
-            <ac:spMk id="47" creationId="{E235C922-C3AB-DBB4-FF91-7C54AB4825BA}"/>
-          </ac:spMkLst>
-        </pc:spChg>
-        <pc:spChg chg="add mod">
-          <ac:chgData name="FERNANDA . MARIN GONZALEZ" userId="S::fern.marin@duocuc.cl::2297aa7b-50ce-4537-9205-6914c07831d4" providerId="AD" clId="Web-{A9CECCA7-DA54-94EA-0D51-1BCEC4F24117}" dt="2025-10-30T02:07:49.719" v="438"/>
-          <ac:spMkLst>
-            <pc:docMk/>
-            <pc:sldMk cId="1890491460" sldId="263"/>
-            <ac:spMk id="48" creationId="{0655B27A-CFC8-1F51-2767-429AA4428C1F}"/>
-          </ac:spMkLst>
-        </pc:spChg>
-        <pc:spChg chg="add mod">
-          <ac:chgData name="FERNANDA . MARIN GONZALEZ" userId="S::fern.marin@duocuc.cl::2297aa7b-50ce-4537-9205-6914c07831d4" providerId="AD" clId="Web-{A9CECCA7-DA54-94EA-0D51-1BCEC4F24117}" dt="2025-10-30T02:07:49.719" v="439"/>
-          <ac:spMkLst>
-            <pc:docMk/>
-            <pc:sldMk cId="1890491460" sldId="263"/>
-            <ac:spMk id="49" creationId="{FA0E71F1-63C9-03D1-F31B-FA27FE77875E}"/>
-          </ac:spMkLst>
-        </pc:spChg>
-        <pc:spChg chg="add mod">
-          <ac:chgData name="FERNANDA . MARIN GONZALEZ" userId="S::fern.marin@duocuc.cl::2297aa7b-50ce-4537-9205-6914c07831d4" providerId="AD" clId="Web-{A9CECCA7-DA54-94EA-0D51-1BCEC4F24117}" dt="2025-10-30T02:07:49.766" v="440"/>
-          <ac:spMkLst>
-            <pc:docMk/>
-            <pc:sldMk cId="1890491460" sldId="263"/>
-            <ac:spMk id="50" creationId="{F1255A91-131A-1439-85C8-23566B93F77F}"/>
-          </ac:spMkLst>
-        </pc:spChg>
-        <pc:picChg chg="add mod">
-          <ac:chgData name="FERNANDA . MARIN GONZALEZ" userId="S::fern.marin@duocuc.cl::2297aa7b-50ce-4537-9205-6914c07831d4" providerId="AD" clId="Web-{A9CECCA7-DA54-94EA-0D51-1BCEC4F24117}" dt="2025-10-30T01:46:49.007" v="152" actId="1076"/>
-          <ac:picMkLst>
-            <pc:docMk/>
-            <pc:sldMk cId="1890491460" sldId="263"/>
-            <ac:picMk id="2" creationId="{AF94760E-2884-F877-775C-37470E81A32C}"/>
-          </ac:picMkLst>
-        </pc:picChg>
-        <pc:picChg chg="add mod">
-          <ac:chgData name="FERNANDA . MARIN GONZALEZ" userId="S::fern.marin@duocuc.cl::2297aa7b-50ce-4537-9205-6914c07831d4" providerId="AD" clId="Web-{A9CECCA7-DA54-94EA-0D51-1BCEC4F24117}" dt="2025-10-30T01:46:49.023" v="154" actId="1076"/>
-          <ac:picMkLst>
-            <pc:docMk/>
-            <pc:sldMk cId="1890491460" sldId="263"/>
-            <ac:picMk id="18" creationId="{18E0A0C3-AEB2-5810-C804-C50864D2A62B}"/>
-          </ac:picMkLst>
-        </pc:picChg>
-        <pc:picChg chg="add mod">
-          <ac:chgData name="FERNANDA . MARIN GONZALEZ" userId="S::fern.marin@duocuc.cl::2297aa7b-50ce-4537-9205-6914c07831d4" providerId="AD" clId="Web-{A9CECCA7-DA54-94EA-0D51-1BCEC4F24117}" dt="2025-10-30T01:56:25.632" v="285" actId="1076"/>
-          <ac:picMkLst>
-            <pc:docMk/>
-            <pc:sldMk cId="1890491460" sldId="263"/>
-            <ac:picMk id="31" creationId="{775DF133-FBF2-A0D3-61FD-925D11BC6CB0}"/>
-          </ac:picMkLst>
-        </pc:picChg>
-        <pc:picChg chg="add mod">
-          <ac:chgData name="FERNANDA . MARIN GONZALEZ" userId="S::fern.marin@duocuc.cl::2297aa7b-50ce-4537-9205-6914c07831d4" providerId="AD" clId="Web-{A9CECCA7-DA54-94EA-0D51-1BCEC4F24117}" dt="2025-10-30T01:58:25.248" v="312" actId="1076"/>
-          <ac:picMkLst>
-            <pc:docMk/>
-            <pc:sldMk cId="1890491460" sldId="263"/>
-            <ac:picMk id="34" creationId="{9DE65029-6B1C-E513-90A9-B896C249841F}"/>
-          </ac:picMkLst>
-        </pc:picChg>
-        <pc:picChg chg="add mod">
-          <ac:chgData name="FERNANDA . MARIN GONZALEZ" userId="S::fern.marin@duocuc.cl::2297aa7b-50ce-4537-9205-6914c07831d4" providerId="AD" clId="Web-{A9CECCA7-DA54-94EA-0D51-1BCEC4F24117}" dt="2025-10-30T01:58:32.436" v="315" actId="1076"/>
-          <ac:picMkLst>
-            <pc:docMk/>
-            <pc:sldMk cId="1890491460" sldId="263"/>
-            <ac:picMk id="36" creationId="{61DFE50D-0851-E078-785E-1523DEF4D99B}"/>
-          </ac:picMkLst>
-        </pc:picChg>
-        <pc:picChg chg="add mod">
-          <ac:chgData name="FERNANDA . MARIN GONZALEZ" userId="S::fern.marin@duocuc.cl::2297aa7b-50ce-4537-9205-6914c07831d4" providerId="AD" clId="Web-{A9CECCA7-DA54-94EA-0D51-1BCEC4F24117}" dt="2025-10-30T01:58:30.545" v="314" actId="1076"/>
-          <ac:picMkLst>
-            <pc:docMk/>
-            <pc:sldMk cId="1890491460" sldId="263"/>
-            <ac:picMk id="38" creationId="{1956D223-1B2B-E9E3-5987-8354F1E04C48}"/>
-          </ac:picMkLst>
-        </pc:picChg>
-        <pc:picChg chg="add mod">
-          <ac:chgData name="FERNANDA . MARIN GONZALEZ" userId="S::fern.marin@duocuc.cl::2297aa7b-50ce-4537-9205-6914c07831d4" providerId="AD" clId="Web-{A9CECCA7-DA54-94EA-0D51-1BCEC4F24117}" dt="2025-10-30T02:00:19.409" v="331" actId="1076"/>
-          <ac:picMkLst>
-            <pc:docMk/>
-            <pc:sldMk cId="1890491460" sldId="263"/>
-            <ac:picMk id="39" creationId="{39EADBE0-C3D2-715F-CFFB-7EAED29F2491}"/>
-          </ac:picMkLst>
-        </pc:picChg>
-        <pc:cxnChg chg="add del mod">
-          <ac:chgData name="FERNANDA . MARIN GONZALEZ" userId="S::fern.marin@duocuc.cl::2297aa7b-50ce-4537-9205-6914c07831d4" providerId="AD" clId="Web-{A9CECCA7-DA54-94EA-0D51-1BCEC4F24117}" dt="2025-10-30T01:36:45.756" v="71"/>
-          <ac:cxnSpMkLst>
-            <pc:docMk/>
-            <pc:sldMk cId="1890491460" sldId="263"/>
-            <ac:cxnSpMk id="5" creationId="{E2028F09-FF41-BBE4-E1F5-D9133A5545B9}"/>
-          </ac:cxnSpMkLst>
-        </pc:cxnChg>
-        <pc:cxnChg chg="add del">
-          <ac:chgData name="FERNANDA . MARIN GONZALEZ" userId="S::fern.marin@duocuc.cl::2297aa7b-50ce-4537-9205-6914c07831d4" providerId="AD" clId="Web-{A9CECCA7-DA54-94EA-0D51-1BCEC4F24117}" dt="2025-10-30T01:37:04.383" v="73"/>
-          <ac:cxnSpMkLst>
-            <pc:docMk/>
-            <pc:sldMk cId="1890491460" sldId="263"/>
-            <ac:cxnSpMk id="8" creationId="{4068F2C0-F102-CB6D-845E-8A69F5CDF54B}"/>
-          </ac:cxnSpMkLst>
-        </pc:cxnChg>
-        <pc:cxnChg chg="add mod">
-          <ac:chgData name="FERNANDA . MARIN GONZALEZ" userId="S::fern.marin@duocuc.cl::2297aa7b-50ce-4537-9205-6914c07831d4" providerId="AD" clId="Web-{A9CECCA7-DA54-94EA-0D51-1BCEC4F24117}" dt="2025-10-30T02:06:13.200" v="436" actId="1076"/>
-          <ac:cxnSpMkLst>
-            <pc:docMk/>
-            <pc:sldMk cId="1890491460" sldId="263"/>
-            <ac:cxnSpMk id="14" creationId="{43E4E86B-B21C-A33B-BC5D-F55C44ABD057}"/>
-          </ac:cxnSpMkLst>
-        </pc:cxnChg>
-        <pc:cxnChg chg="add mod">
-          <ac:chgData name="FERNANDA . MARIN GONZALEZ" userId="S::fern.marin@duocuc.cl::2297aa7b-50ce-4537-9205-6914c07831d4" providerId="AD" clId="Web-{A9CECCA7-DA54-94EA-0D51-1BCEC4F24117}" dt="2025-10-30T01:48:58.588" v="181" actId="1076"/>
-          <ac:cxnSpMkLst>
-            <pc:docMk/>
-            <pc:sldMk cId="1890491460" sldId="263"/>
-            <ac:cxnSpMk id="15" creationId="{6DB40771-97C2-86D6-65EE-FFA6499CA40B}"/>
-          </ac:cxnSpMkLst>
-        </pc:cxnChg>
-        <pc:cxnChg chg="add del mod">
-          <ac:chgData name="FERNANDA . MARIN GONZALEZ" userId="S::fern.marin@duocuc.cl::2297aa7b-50ce-4537-9205-6914c07831d4" providerId="AD" clId="Web-{A9CECCA7-DA54-94EA-0D51-1BCEC4F24117}" dt="2025-10-30T01:54:55" v="261"/>
-          <ac:cxnSpMkLst>
-            <pc:docMk/>
-            <pc:sldMk cId="1890491460" sldId="263"/>
-            <ac:cxnSpMk id="16" creationId="{69A4F75E-F163-58C1-847D-2CFDC3DB7853}"/>
-          </ac:cxnSpMkLst>
-        </pc:cxnChg>
-        <pc:cxnChg chg="add del">
-          <ac:chgData name="FERNANDA . MARIN GONZALEZ" userId="S::fern.marin@duocuc.cl::2297aa7b-50ce-4537-9205-6914c07831d4" providerId="AD" clId="Web-{A9CECCA7-DA54-94EA-0D51-1BCEC4F24117}" dt="2025-10-30T01:47:15.820" v="157"/>
-          <ac:cxnSpMkLst>
-            <pc:docMk/>
-            <pc:sldMk cId="1890491460" sldId="263"/>
-            <ac:cxnSpMk id="20" creationId="{C6ABB8FB-9322-3C6B-AB5E-41FE03CB4B96}"/>
-          </ac:cxnSpMkLst>
-        </pc:cxnChg>
-        <pc:cxnChg chg="add mod">
-          <ac:chgData name="FERNANDA . MARIN GONZALEZ" userId="S::fern.marin@duocuc.cl::2297aa7b-50ce-4537-9205-6914c07831d4" providerId="AD" clId="Web-{A9CECCA7-DA54-94EA-0D51-1BCEC4F24117}" dt="2025-10-30T01:47:51.930" v="170" actId="14100"/>
-          <ac:cxnSpMkLst>
-            <pc:docMk/>
-            <pc:sldMk cId="1890491460" sldId="263"/>
-            <ac:cxnSpMk id="21" creationId="{0B2FCA88-E2DF-CC20-A62D-6FD6F76C1E91}"/>
-          </ac:cxnSpMkLst>
-        </pc:cxnChg>
-        <pc:cxnChg chg="add mod">
-          <ac:chgData name="FERNANDA . MARIN GONZALEZ" userId="S::fern.marin@duocuc.cl::2297aa7b-50ce-4537-9205-6914c07831d4" providerId="AD" clId="Web-{A9CECCA7-DA54-94EA-0D51-1BCEC4F24117}" dt="2025-10-30T01:48:32.728" v="175" actId="14100"/>
-          <ac:cxnSpMkLst>
-            <pc:docMk/>
-            <pc:sldMk cId="1890491460" sldId="263"/>
-            <ac:cxnSpMk id="22" creationId="{394B9F70-B094-95B7-16BA-F81D959F3A41}"/>
-          </ac:cxnSpMkLst>
-        </pc:cxnChg>
-        <pc:cxnChg chg="add mod">
-          <ac:chgData name="FERNANDA . MARIN GONZALEZ" userId="S::fern.marin@duocuc.cl::2297aa7b-50ce-4537-9205-6914c07831d4" providerId="AD" clId="Web-{A9CECCA7-DA54-94EA-0D51-1BCEC4F24117}" dt="2025-10-30T01:48:37.963" v="177" actId="1076"/>
-          <ac:cxnSpMkLst>
-            <pc:docMk/>
-            <pc:sldMk cId="1890491460" sldId="263"/>
-            <ac:cxnSpMk id="23" creationId="{F7D5A5C6-3C71-73F8-7754-C1CC9E2649CF}"/>
-          </ac:cxnSpMkLst>
-        </pc:cxnChg>
-        <pc:cxnChg chg="add mod">
-          <ac:chgData name="FERNANDA . MARIN GONZALEZ" userId="S::fern.marin@duocuc.cl::2297aa7b-50ce-4537-9205-6914c07831d4" providerId="AD" clId="Web-{A9CECCA7-DA54-94EA-0D51-1BCEC4F24117}" dt="2025-10-30T02:00:16.190" v="330" actId="14100"/>
-          <ac:cxnSpMkLst>
-            <pc:docMk/>
-            <pc:sldMk cId="1890491460" sldId="263"/>
-            <ac:cxnSpMk id="41" creationId="{C5D1C0D9-6BED-1754-538F-A2FA12905F5C}"/>
-          </ac:cxnSpMkLst>
-        </pc:cxnChg>
-        <pc:cxnChg chg="add mod">
-          <ac:chgData name="FERNANDA . MARIN GONZALEZ" userId="S::fern.marin@duocuc.cl::2297aa7b-50ce-4537-9205-6914c07831d4" providerId="AD" clId="Web-{A9CECCA7-DA54-94EA-0D51-1BCEC4F24117}" dt="2025-10-30T02:05:36.934" v="435" actId="1076"/>
-          <ac:cxnSpMkLst>
-            <pc:docMk/>
-            <pc:sldMk cId="1890491460" sldId="263"/>
-            <ac:cxnSpMk id="51" creationId="{04310E83-76B2-2BC9-847A-AB0681997844}"/>
-          </ac:cxnSpMkLst>
-        </pc:cxnChg>
-        <pc:cxnChg chg="add mod">
-          <ac:chgData name="FERNANDA . MARIN GONZALEZ" userId="S::fern.marin@duocuc.cl::2297aa7b-50ce-4537-9205-6914c07831d4" providerId="AD" clId="Web-{A9CECCA7-DA54-94EA-0D51-1BCEC4F24117}" dt="2025-10-30T02:05:32.184" v="432" actId="1076"/>
-          <ac:cxnSpMkLst>
-            <pc:docMk/>
-            <pc:sldMk cId="1890491460" sldId="263"/>
-            <ac:cxnSpMk id="52" creationId="{087A96F3-B7A5-1A81-9103-A1E9BBEDD2FA}"/>
-          </ac:cxnSpMkLst>
-        </pc:cxnChg>
-        <pc:cxnChg chg="add mod">
-          <ac:chgData name="FERNANDA . MARIN GONZALEZ" userId="S::fern.marin@duocuc.cl::2297aa7b-50ce-4537-9205-6914c07831d4" providerId="AD" clId="Web-{A9CECCA7-DA54-94EA-0D51-1BCEC4F24117}" dt="2025-10-30T02:05:34.840" v="434" actId="1076"/>
-          <ac:cxnSpMkLst>
-            <pc:docMk/>
-            <pc:sldMk cId="1890491460" sldId="263"/>
-            <ac:cxnSpMk id="53" creationId="{77D0F054-E02F-9A88-FF6E-2BD5B82A7E0F}"/>
-          </ac:cxnSpMkLst>
-        </pc:cxnChg>
       </pc:sldChg>
       <pc:sldChg chg="addSp modSp">
         <pc:chgData name="FERNANDA . MARIN GONZALEZ" userId="S::fern.marin@duocuc.cl::2297aa7b-50ce-4537-9205-6914c07831d4" providerId="AD" clId="Web-{A9CECCA7-DA54-94EA-0D51-1BCEC4F24117}" dt="2025-10-30T02:21:14.013" v="482" actId="1076"/>
@@ -987,285 +608,6 @@
             <ac:picMk id="20" creationId="{9B5FEA53-106F-AA1C-59C3-E76CA16ACD0C}"/>
           </ac:picMkLst>
         </pc:picChg>
-      </pc:sldChg>
-      <pc:sldChg chg="delSp add del replId">
-        <pc:chgData name="FERNANDA . MARIN GONZALEZ" userId="S::fern.marin@duocuc.cl::2297aa7b-50ce-4537-9205-6914c07831d4" providerId="AD" clId="Web-{A9CECCA7-DA54-94EA-0D51-1BCEC4F24117}" dt="2025-10-30T02:21:20.872" v="483"/>
-        <pc:sldMkLst>
-          <pc:docMk/>
-          <pc:sldMk cId="1645842568" sldId="271"/>
-        </pc:sldMkLst>
-        <pc:spChg chg="del">
-          <ac:chgData name="FERNANDA . MARIN GONZALEZ" userId="S::fern.marin@duocuc.cl::2297aa7b-50ce-4537-9205-6914c07831d4" providerId="AD" clId="Web-{A9CECCA7-DA54-94EA-0D51-1BCEC4F24117}" dt="2025-10-30T02:11:13.092" v="473"/>
-          <ac:spMkLst>
-            <pc:docMk/>
-            <pc:sldMk cId="1645842568" sldId="271"/>
-            <ac:spMk id="3" creationId="{CC97F44B-6BB0-20E5-041A-1FC074136067}"/>
-          </ac:spMkLst>
-        </pc:spChg>
-        <pc:spChg chg="del">
-          <ac:chgData name="FERNANDA . MARIN GONZALEZ" userId="S::fern.marin@duocuc.cl::2297aa7b-50ce-4537-9205-6914c07831d4" providerId="AD" clId="Web-{A9CECCA7-DA54-94EA-0D51-1BCEC4F24117}" dt="2025-10-30T02:11:13.092" v="472"/>
-          <ac:spMkLst>
-            <pc:docMk/>
-            <pc:sldMk cId="1645842568" sldId="271"/>
-            <ac:spMk id="10" creationId="{C5EB7DBD-9841-7770-1882-2AAD7740B180}"/>
-          </ac:spMkLst>
-        </pc:spChg>
-        <pc:spChg chg="del">
-          <ac:chgData name="FERNANDA . MARIN GONZALEZ" userId="S::fern.marin@duocuc.cl::2297aa7b-50ce-4537-9205-6914c07831d4" providerId="AD" clId="Web-{A9CECCA7-DA54-94EA-0D51-1BCEC4F24117}" dt="2025-10-30T02:11:13.092" v="471"/>
-          <ac:spMkLst>
-            <pc:docMk/>
-            <pc:sldMk cId="1645842568" sldId="271"/>
-            <ac:spMk id="11" creationId="{44BC3047-432C-9F00-8A48-D7A1F49DBF26}"/>
-          </ac:spMkLst>
-        </pc:spChg>
-        <pc:spChg chg="del">
-          <ac:chgData name="FERNANDA . MARIN GONZALEZ" userId="S::fern.marin@duocuc.cl::2297aa7b-50ce-4537-9205-6914c07831d4" providerId="AD" clId="Web-{A9CECCA7-DA54-94EA-0D51-1BCEC4F24117}" dt="2025-10-30T02:11:13.092" v="468"/>
-          <ac:spMkLst>
-            <pc:docMk/>
-            <pc:sldMk cId="1645842568" sldId="271"/>
-            <ac:spMk id="17" creationId="{E3FDAFC3-2336-006C-4E45-0414E135C3DA}"/>
-          </ac:spMkLst>
-        </pc:spChg>
-        <pc:spChg chg="del">
-          <ac:chgData name="FERNANDA . MARIN GONZALEZ" userId="S::fern.marin@duocuc.cl::2297aa7b-50ce-4537-9205-6914c07831d4" providerId="AD" clId="Web-{A9CECCA7-DA54-94EA-0D51-1BCEC4F24117}" dt="2025-10-30T02:11:13.092" v="466"/>
-          <ac:spMkLst>
-            <pc:docMk/>
-            <pc:sldMk cId="1645842568" sldId="271"/>
-            <ac:spMk id="19" creationId="{BFEC8B44-2E8F-2D81-1A04-201C6CF90BEE}"/>
-          </ac:spMkLst>
-        </pc:spChg>
-        <pc:spChg chg="del">
-          <ac:chgData name="FERNANDA . MARIN GONZALEZ" userId="S::fern.marin@duocuc.cl::2297aa7b-50ce-4537-9205-6914c07831d4" providerId="AD" clId="Web-{A9CECCA7-DA54-94EA-0D51-1BCEC4F24117}" dt="2025-10-30T02:11:13.092" v="462"/>
-          <ac:spMkLst>
-            <pc:docMk/>
-            <pc:sldMk cId="1645842568" sldId="271"/>
-            <ac:spMk id="24" creationId="{5F9472EC-8472-7796-F3A5-6B994F022600}"/>
-          </ac:spMkLst>
-        </pc:spChg>
-        <pc:spChg chg="del">
-          <ac:chgData name="FERNANDA . MARIN GONZALEZ" userId="S::fern.marin@duocuc.cl::2297aa7b-50ce-4537-9205-6914c07831d4" providerId="AD" clId="Web-{A9CECCA7-DA54-94EA-0D51-1BCEC4F24117}" dt="2025-10-30T02:11:13.092" v="461"/>
-          <ac:spMkLst>
-            <pc:docMk/>
-            <pc:sldMk cId="1645842568" sldId="271"/>
-            <ac:spMk id="25" creationId="{41DA7E30-9480-3780-7212-6ED89FCEA517}"/>
-          </ac:spMkLst>
-        </pc:spChg>
-        <pc:spChg chg="del">
-          <ac:chgData name="FERNANDA . MARIN GONZALEZ" userId="S::fern.marin@duocuc.cl::2297aa7b-50ce-4537-9205-6914c07831d4" providerId="AD" clId="Web-{A9CECCA7-DA54-94EA-0D51-1BCEC4F24117}" dt="2025-10-30T02:11:13.092" v="460"/>
-          <ac:spMkLst>
-            <pc:docMk/>
-            <pc:sldMk cId="1645842568" sldId="271"/>
-            <ac:spMk id="27" creationId="{CC7F2156-D2E9-F5BF-F9EA-3E323BBAD047}"/>
-          </ac:spMkLst>
-        </pc:spChg>
-        <pc:spChg chg="del">
-          <ac:chgData name="FERNANDA . MARIN GONZALEZ" userId="S::fern.marin@duocuc.cl::2297aa7b-50ce-4537-9205-6914c07831d4" providerId="AD" clId="Web-{A9CECCA7-DA54-94EA-0D51-1BCEC4F24117}" dt="2025-10-30T02:11:13.092" v="459"/>
-          <ac:spMkLst>
-            <pc:docMk/>
-            <pc:sldMk cId="1645842568" sldId="271"/>
-            <ac:spMk id="28" creationId="{26D231EA-289D-6C33-3A4F-CE3F33528A4B}"/>
-          </ac:spMkLst>
-        </pc:spChg>
-        <pc:spChg chg="del">
-          <ac:chgData name="FERNANDA . MARIN GONZALEZ" userId="S::fern.marin@duocuc.cl::2297aa7b-50ce-4537-9205-6914c07831d4" providerId="AD" clId="Web-{A9CECCA7-DA54-94EA-0D51-1BCEC4F24117}" dt="2025-10-30T02:11:13.092" v="458"/>
-          <ac:spMkLst>
-            <pc:docMk/>
-            <pc:sldMk cId="1645842568" sldId="271"/>
-            <ac:spMk id="29" creationId="{C5024333-FA44-AF7E-68BC-B5218DFA65FE}"/>
-          </ac:spMkLst>
-        </pc:spChg>
-        <pc:spChg chg="del">
-          <ac:chgData name="FERNANDA . MARIN GONZALEZ" userId="S::fern.marin@duocuc.cl::2297aa7b-50ce-4537-9205-6914c07831d4" providerId="AD" clId="Web-{A9CECCA7-DA54-94EA-0D51-1BCEC4F24117}" dt="2025-10-30T02:11:13.092" v="475"/>
-          <ac:spMkLst>
-            <pc:docMk/>
-            <pc:sldMk cId="1645842568" sldId="271"/>
-            <ac:spMk id="32" creationId="{81353673-759D-E738-733E-BC547432496F}"/>
-          </ac:spMkLst>
-        </pc:spChg>
-        <pc:spChg chg="del">
-          <ac:chgData name="FERNANDA . MARIN GONZALEZ" userId="S::fern.marin@duocuc.cl::2297aa7b-50ce-4537-9205-6914c07831d4" providerId="AD" clId="Web-{A9CECCA7-DA54-94EA-0D51-1BCEC4F24117}" dt="2025-10-30T02:11:13.092" v="451"/>
-          <ac:spMkLst>
-            <pc:docMk/>
-            <pc:sldMk cId="1645842568" sldId="271"/>
-            <ac:spMk id="43" creationId="{0A2A42E9-7BEE-4E50-9A7B-369C6D8F78D5}"/>
-          </ac:spMkLst>
-        </pc:spChg>
-        <pc:spChg chg="del">
-          <ac:chgData name="FERNANDA . MARIN GONZALEZ" userId="S::fern.marin@duocuc.cl::2297aa7b-50ce-4537-9205-6914c07831d4" providerId="AD" clId="Web-{A9CECCA7-DA54-94EA-0D51-1BCEC4F24117}" dt="2025-10-30T02:11:13.092" v="450"/>
-          <ac:spMkLst>
-            <pc:docMk/>
-            <pc:sldMk cId="1645842568" sldId="271"/>
-            <ac:spMk id="44" creationId="{75A96C7F-9BD2-8445-D29A-5AC411C499D1}"/>
-          </ac:spMkLst>
-        </pc:spChg>
-        <pc:spChg chg="del">
-          <ac:chgData name="FERNANDA . MARIN GONZALEZ" userId="S::fern.marin@duocuc.cl::2297aa7b-50ce-4537-9205-6914c07831d4" providerId="AD" clId="Web-{A9CECCA7-DA54-94EA-0D51-1BCEC4F24117}" dt="2025-10-30T02:11:13.092" v="449"/>
-          <ac:spMkLst>
-            <pc:docMk/>
-            <pc:sldMk cId="1645842568" sldId="271"/>
-            <ac:spMk id="45" creationId="{2114DF2A-6F33-123A-8CE4-2A87B7D21DEC}"/>
-          </ac:spMkLst>
-        </pc:spChg>
-        <pc:spChg chg="del">
-          <ac:chgData name="FERNANDA . MARIN GONZALEZ" userId="S::fern.marin@duocuc.cl::2297aa7b-50ce-4537-9205-6914c07831d4" providerId="AD" clId="Web-{A9CECCA7-DA54-94EA-0D51-1BCEC4F24117}" dt="2025-10-30T02:11:13.092" v="448"/>
-          <ac:spMkLst>
-            <pc:docMk/>
-            <pc:sldMk cId="1645842568" sldId="271"/>
-            <ac:spMk id="47" creationId="{635B92DF-E851-FBEE-0FDD-FDD377B7E77C}"/>
-          </ac:spMkLst>
-        </pc:spChg>
-        <pc:spChg chg="del">
-          <ac:chgData name="FERNANDA . MARIN GONZALEZ" userId="S::fern.marin@duocuc.cl::2297aa7b-50ce-4537-9205-6914c07831d4" providerId="AD" clId="Web-{A9CECCA7-DA54-94EA-0D51-1BCEC4F24117}" dt="2025-10-30T02:11:13.092" v="447"/>
-          <ac:spMkLst>
-            <pc:docMk/>
-            <pc:sldMk cId="1645842568" sldId="271"/>
-            <ac:spMk id="48" creationId="{6065CB9B-28A3-FC9F-22F5-2A16E610C73E}"/>
-          </ac:spMkLst>
-        </pc:spChg>
-        <pc:spChg chg="del">
-          <ac:chgData name="FERNANDA . MARIN GONZALEZ" userId="S::fern.marin@duocuc.cl::2297aa7b-50ce-4537-9205-6914c07831d4" providerId="AD" clId="Web-{A9CECCA7-DA54-94EA-0D51-1BCEC4F24117}" dt="2025-10-30T02:11:13.092" v="446"/>
-          <ac:spMkLst>
-            <pc:docMk/>
-            <pc:sldMk cId="1645842568" sldId="271"/>
-            <ac:spMk id="49" creationId="{D35603DD-F094-93DC-7F4A-E9845CF39B99}"/>
-          </ac:spMkLst>
-        </pc:spChg>
-        <pc:spChg chg="del">
-          <ac:chgData name="FERNANDA . MARIN GONZALEZ" userId="S::fern.marin@duocuc.cl::2297aa7b-50ce-4537-9205-6914c07831d4" providerId="AD" clId="Web-{A9CECCA7-DA54-94EA-0D51-1BCEC4F24117}" dt="2025-10-30T02:11:13.092" v="445"/>
-          <ac:spMkLst>
-            <pc:docMk/>
-            <pc:sldMk cId="1645842568" sldId="271"/>
-            <ac:spMk id="50" creationId="{19F46DA8-DC27-64FA-EE1C-0F991C27D712}"/>
-          </ac:spMkLst>
-        </pc:spChg>
-        <pc:picChg chg="del">
-          <ac:chgData name="FERNANDA . MARIN GONZALEZ" userId="S::fern.marin@duocuc.cl::2297aa7b-50ce-4537-9205-6914c07831d4" providerId="AD" clId="Web-{A9CECCA7-DA54-94EA-0D51-1BCEC4F24117}" dt="2025-10-30T02:11:13.092" v="474"/>
-          <ac:picMkLst>
-            <pc:docMk/>
-            <pc:sldMk cId="1645842568" sldId="271"/>
-            <ac:picMk id="2" creationId="{F1064996-6876-34C0-366F-CEE18A905C94}"/>
-          </ac:picMkLst>
-        </pc:picChg>
-        <pc:picChg chg="del">
-          <ac:chgData name="FERNANDA . MARIN GONZALEZ" userId="S::fern.marin@duocuc.cl::2297aa7b-50ce-4537-9205-6914c07831d4" providerId="AD" clId="Web-{A9CECCA7-DA54-94EA-0D51-1BCEC4F24117}" dt="2025-10-30T02:11:13.092" v="467"/>
-          <ac:picMkLst>
-            <pc:docMk/>
-            <pc:sldMk cId="1645842568" sldId="271"/>
-            <ac:picMk id="18" creationId="{D81FA999-B413-98AB-7B2E-B64B565AE5E3}"/>
-          </ac:picMkLst>
-        </pc:picChg>
-        <pc:picChg chg="del">
-          <ac:chgData name="FERNANDA . MARIN GONZALEZ" userId="S::fern.marin@duocuc.cl::2297aa7b-50ce-4537-9205-6914c07831d4" providerId="AD" clId="Web-{A9CECCA7-DA54-94EA-0D51-1BCEC4F24117}" dt="2025-10-30T02:11:13.092" v="457"/>
-          <ac:picMkLst>
-            <pc:docMk/>
-            <pc:sldMk cId="1645842568" sldId="271"/>
-            <ac:picMk id="31" creationId="{B9784951-7756-8E7C-94F9-5255D1541CBE}"/>
-          </ac:picMkLst>
-        </pc:picChg>
-        <pc:picChg chg="del">
-          <ac:chgData name="FERNANDA . MARIN GONZALEZ" userId="S::fern.marin@duocuc.cl::2297aa7b-50ce-4537-9205-6914c07831d4" providerId="AD" clId="Web-{A9CECCA7-DA54-94EA-0D51-1BCEC4F24117}" dt="2025-10-30T02:11:13.092" v="456"/>
-          <ac:picMkLst>
-            <pc:docMk/>
-            <pc:sldMk cId="1645842568" sldId="271"/>
-            <ac:picMk id="34" creationId="{ADBC4DDA-D061-959E-7FAE-6542FEF5029A}"/>
-          </ac:picMkLst>
-        </pc:picChg>
-        <pc:picChg chg="del">
-          <ac:chgData name="FERNANDA . MARIN GONZALEZ" userId="S::fern.marin@duocuc.cl::2297aa7b-50ce-4537-9205-6914c07831d4" providerId="AD" clId="Web-{A9CECCA7-DA54-94EA-0D51-1BCEC4F24117}" dt="2025-10-30T02:11:13.092" v="455"/>
-          <ac:picMkLst>
-            <pc:docMk/>
-            <pc:sldMk cId="1645842568" sldId="271"/>
-            <ac:picMk id="36" creationId="{2849DCEA-FCC3-5305-CBB2-40BA3CD7F166}"/>
-          </ac:picMkLst>
-        </pc:picChg>
-        <pc:picChg chg="del">
-          <ac:chgData name="FERNANDA . MARIN GONZALEZ" userId="S::fern.marin@duocuc.cl::2297aa7b-50ce-4537-9205-6914c07831d4" providerId="AD" clId="Web-{A9CECCA7-DA54-94EA-0D51-1BCEC4F24117}" dt="2025-10-30T02:11:13.092" v="454"/>
-          <ac:picMkLst>
-            <pc:docMk/>
-            <pc:sldMk cId="1645842568" sldId="271"/>
-            <ac:picMk id="38" creationId="{3DA9BBA2-FF3E-4F51-991B-B76C509AA778}"/>
-          </ac:picMkLst>
-        </pc:picChg>
-        <pc:picChg chg="del">
-          <ac:chgData name="FERNANDA . MARIN GONZALEZ" userId="S::fern.marin@duocuc.cl::2297aa7b-50ce-4537-9205-6914c07831d4" providerId="AD" clId="Web-{A9CECCA7-DA54-94EA-0D51-1BCEC4F24117}" dt="2025-10-30T02:11:13.092" v="453"/>
-          <ac:picMkLst>
-            <pc:docMk/>
-            <pc:sldMk cId="1645842568" sldId="271"/>
-            <ac:picMk id="39" creationId="{05B05F7C-038F-9B50-32A2-F140FA62749F}"/>
-          </ac:picMkLst>
-        </pc:picChg>
-        <pc:cxnChg chg="del">
-          <ac:chgData name="FERNANDA . MARIN GONZALEZ" userId="S::fern.marin@duocuc.cl::2297aa7b-50ce-4537-9205-6914c07831d4" providerId="AD" clId="Web-{A9CECCA7-DA54-94EA-0D51-1BCEC4F24117}" dt="2025-10-30T02:11:13.092" v="470"/>
-          <ac:cxnSpMkLst>
-            <pc:docMk/>
-            <pc:sldMk cId="1645842568" sldId="271"/>
-            <ac:cxnSpMk id="14" creationId="{7778B4F4-C263-3ECF-6E61-E3F69DA65DC9}"/>
-          </ac:cxnSpMkLst>
-        </pc:cxnChg>
-        <pc:cxnChg chg="del">
-          <ac:chgData name="FERNANDA . MARIN GONZALEZ" userId="S::fern.marin@duocuc.cl::2297aa7b-50ce-4537-9205-6914c07831d4" providerId="AD" clId="Web-{A9CECCA7-DA54-94EA-0D51-1BCEC4F24117}" dt="2025-10-30T02:11:13.092" v="469"/>
-          <ac:cxnSpMkLst>
-            <pc:docMk/>
-            <pc:sldMk cId="1645842568" sldId="271"/>
-            <ac:cxnSpMk id="15" creationId="{8949EF87-08E3-B36B-EE70-1C7046736203}"/>
-          </ac:cxnSpMkLst>
-        </pc:cxnChg>
-        <pc:cxnChg chg="del">
-          <ac:chgData name="FERNANDA . MARIN GONZALEZ" userId="S::fern.marin@duocuc.cl::2297aa7b-50ce-4537-9205-6914c07831d4" providerId="AD" clId="Web-{A9CECCA7-DA54-94EA-0D51-1BCEC4F24117}" dt="2025-10-30T02:11:13.092" v="465"/>
-          <ac:cxnSpMkLst>
-            <pc:docMk/>
-            <pc:sldMk cId="1645842568" sldId="271"/>
-            <ac:cxnSpMk id="21" creationId="{BABAB039-6646-5F9D-45C1-647501BDE256}"/>
-          </ac:cxnSpMkLst>
-        </pc:cxnChg>
-        <pc:cxnChg chg="del">
-          <ac:chgData name="FERNANDA . MARIN GONZALEZ" userId="S::fern.marin@duocuc.cl::2297aa7b-50ce-4537-9205-6914c07831d4" providerId="AD" clId="Web-{A9CECCA7-DA54-94EA-0D51-1BCEC4F24117}" dt="2025-10-30T02:11:13.092" v="464"/>
-          <ac:cxnSpMkLst>
-            <pc:docMk/>
-            <pc:sldMk cId="1645842568" sldId="271"/>
-            <ac:cxnSpMk id="22" creationId="{CFBFD628-F5F1-F7C5-77EE-FD30ACA846D0}"/>
-          </ac:cxnSpMkLst>
-        </pc:cxnChg>
-        <pc:cxnChg chg="del">
-          <ac:chgData name="FERNANDA . MARIN GONZALEZ" userId="S::fern.marin@duocuc.cl::2297aa7b-50ce-4537-9205-6914c07831d4" providerId="AD" clId="Web-{A9CECCA7-DA54-94EA-0D51-1BCEC4F24117}" dt="2025-10-30T02:11:13.092" v="463"/>
-          <ac:cxnSpMkLst>
-            <pc:docMk/>
-            <pc:sldMk cId="1645842568" sldId="271"/>
-            <ac:cxnSpMk id="23" creationId="{698C5CEE-AD84-A7B8-BCD2-CB3969036CF3}"/>
-          </ac:cxnSpMkLst>
-        </pc:cxnChg>
-        <pc:cxnChg chg="del">
-          <ac:chgData name="FERNANDA . MARIN GONZALEZ" userId="S::fern.marin@duocuc.cl::2297aa7b-50ce-4537-9205-6914c07831d4" providerId="AD" clId="Web-{A9CECCA7-DA54-94EA-0D51-1BCEC4F24117}" dt="2025-10-30T02:11:13.092" v="452"/>
-          <ac:cxnSpMkLst>
-            <pc:docMk/>
-            <pc:sldMk cId="1645842568" sldId="271"/>
-            <ac:cxnSpMk id="41" creationId="{B7C23E06-2D61-A34A-968F-06AA427CB807}"/>
-          </ac:cxnSpMkLst>
-        </pc:cxnChg>
-        <pc:cxnChg chg="del">
-          <ac:chgData name="FERNANDA . MARIN GONZALEZ" userId="S::fern.marin@duocuc.cl::2297aa7b-50ce-4537-9205-6914c07831d4" providerId="AD" clId="Web-{A9CECCA7-DA54-94EA-0D51-1BCEC4F24117}" dt="2025-10-30T02:11:13.092" v="444"/>
-          <ac:cxnSpMkLst>
-            <pc:docMk/>
-            <pc:sldMk cId="1645842568" sldId="271"/>
-            <ac:cxnSpMk id="51" creationId="{60EA699F-5303-4BB1-E614-96D668F0B500}"/>
-          </ac:cxnSpMkLst>
-        </pc:cxnChg>
-        <pc:cxnChg chg="del">
-          <ac:chgData name="FERNANDA . MARIN GONZALEZ" userId="S::fern.marin@duocuc.cl::2297aa7b-50ce-4537-9205-6914c07831d4" providerId="AD" clId="Web-{A9CECCA7-DA54-94EA-0D51-1BCEC4F24117}" dt="2025-10-30T02:11:13.092" v="443"/>
-          <ac:cxnSpMkLst>
-            <pc:docMk/>
-            <pc:sldMk cId="1645842568" sldId="271"/>
-            <ac:cxnSpMk id="52" creationId="{4F63498C-6BD7-B036-D7A7-69A24096AA1D}"/>
-          </ac:cxnSpMkLst>
-        </pc:cxnChg>
-        <pc:cxnChg chg="del">
-          <ac:chgData name="FERNANDA . MARIN GONZALEZ" userId="S::fern.marin@duocuc.cl::2297aa7b-50ce-4537-9205-6914c07831d4" providerId="AD" clId="Web-{A9CECCA7-DA54-94EA-0D51-1BCEC4F24117}" dt="2025-10-30T02:11:13.092" v="442"/>
-          <ac:cxnSpMkLst>
-            <pc:docMk/>
-            <pc:sldMk cId="1645842568" sldId="271"/>
-            <ac:cxnSpMk id="53" creationId="{A14A9F3C-B5D6-1D8C-DC0B-9EEF1356DBFE}"/>
-          </ac:cxnSpMkLst>
-        </pc:cxnChg>
       </pc:sldChg>
     </pc:docChg>
   </pc:docChgLst>
@@ -1426,13 +768,6 @@
           </ac:picMkLst>
         </pc:picChg>
       </pc:sldChg>
-      <pc:sldChg chg="add del replId">
-        <pc:chgData name="JAVIERA . BUSTAMANTE PEREZ" userId="S::jav.bustamantep@duocuc.cl::4b23c5b5-4e14-4c6f-808f-2a16f656b841" providerId="AD" clId="Web-{57F0D7E8-F1BB-3271-2A2F-9907B9E74309}" dt="2025-10-29T20:12:37.365" v="80"/>
-        <pc:sldMkLst>
-          <pc:docMk/>
-          <pc:sldMk cId="2754224740" sldId="271"/>
-        </pc:sldMkLst>
-      </pc:sldChg>
     </pc:docChg>
   </pc:docChgLst>
   <pc:docChgLst>
@@ -1464,30 +799,6 @@
             <ac:spMk id="3" creationId="{06145CEA-556A-3DC5-2B48-AEFFD0617F63}"/>
           </ac:spMkLst>
         </pc:spChg>
-        <pc:spChg chg="add del mod">
-          <ac:chgData name="JAVIERA . BUSTAMANTE PEREZ" userId="S::jav.bustamantep@duocuc.cl::4b23c5b5-4e14-4c6f-808f-2a16f656b841" providerId="AD" clId="Web-{CD78367F-D27A-97D4-0933-AE0B4F0E397F}" dt="2025-10-30T02:34:26.014" v="611"/>
-          <ac:spMkLst>
-            <pc:docMk/>
-            <pc:sldMk cId="1266268508" sldId="268"/>
-            <ac:spMk id="3" creationId="{7E0C237F-155F-4F57-85FA-A7D044BD63D4}"/>
-          </ac:spMkLst>
-        </pc:spChg>
-        <pc:picChg chg="add del mod">
-          <ac:chgData name="JAVIERA . BUSTAMANTE PEREZ" userId="S::jav.bustamantep@duocuc.cl::4b23c5b5-4e14-4c6f-808f-2a16f656b841" providerId="AD" clId="Web-{CD78367F-D27A-97D4-0933-AE0B4F0E397F}" dt="2025-10-30T02:32:47.373" v="603"/>
-          <ac:picMkLst>
-            <pc:docMk/>
-            <pc:sldMk cId="1266268508" sldId="268"/>
-            <ac:picMk id="5" creationId="{22922380-7531-B68C-E72F-D37E3A9BD43C}"/>
-          </ac:picMkLst>
-        </pc:picChg>
-        <pc:picChg chg="add del mod">
-          <ac:chgData name="JAVIERA . BUSTAMANTE PEREZ" userId="S::jav.bustamantep@duocuc.cl::4b23c5b5-4e14-4c6f-808f-2a16f656b841" providerId="AD" clId="Web-{CD78367F-D27A-97D4-0933-AE0B4F0E397F}" dt="2025-10-30T02:33:38.217" v="606"/>
-          <ac:picMkLst>
-            <pc:docMk/>
-            <pc:sldMk cId="1266268508" sldId="268"/>
-            <ac:picMk id="6" creationId="{FFEBD24D-3525-6068-BC8F-6D75981703C5}"/>
-          </ac:picMkLst>
-        </pc:picChg>
         <pc:picChg chg="add mod">
           <ac:chgData name="JAVIERA . BUSTAMANTE PEREZ" userId="S::jav.bustamantep@duocuc.cl::4b23c5b5-4e14-4c6f-808f-2a16f656b841" providerId="AD" clId="Web-{CD78367F-D27A-97D4-0933-AE0B4F0E397F}" dt="2025-10-30T02:34:13.733" v="610" actId="1076"/>
           <ac:picMkLst>
@@ -1519,6 +830,162 @@
             <ac:picMk id="3" creationId="{6968AE58-B16E-734E-243A-65F40DC9909F}"/>
           </ac:picMkLst>
         </pc:picChg>
+      </pc:sldChg>
+    </pc:docChg>
+  </pc:docChgLst>
+  <pc:docChgLst>
+    <pc:chgData name="FERNANDA . MARIN GONZALEZ" userId="S::fern.marin@duocuc.cl::2297aa7b-50ce-4537-9205-6914c07831d4" providerId="AD" clId="Web-{EE97D3B3-1EFF-E587-0623-E4128304D625}"/>
+    <pc:docChg chg="modSld">
+      <pc:chgData name="FERNANDA . MARIN GONZALEZ" userId="S::fern.marin@duocuc.cl::2297aa7b-50ce-4537-9205-6914c07831d4" providerId="AD" clId="Web-{EE97D3B3-1EFF-E587-0623-E4128304D625}" dt="2025-11-06T04:35:21.749" v="100" actId="20577"/>
+      <pc:docMkLst>
+        <pc:docMk/>
+      </pc:docMkLst>
+      <pc:sldChg chg="modSp">
+        <pc:chgData name="FERNANDA . MARIN GONZALEZ" userId="S::fern.marin@duocuc.cl::2297aa7b-50ce-4537-9205-6914c07831d4" providerId="AD" clId="Web-{EE97D3B3-1EFF-E587-0623-E4128304D625}" dt="2025-11-06T04:35:21.749" v="100" actId="20577"/>
+        <pc:sldMkLst>
+          <pc:docMk/>
+          <pc:sldMk cId="775730755" sldId="258"/>
+        </pc:sldMkLst>
+        <pc:spChg chg="mod">
+          <ac:chgData name="FERNANDA . MARIN GONZALEZ" userId="S::fern.marin@duocuc.cl::2297aa7b-50ce-4537-9205-6914c07831d4" providerId="AD" clId="Web-{EE97D3B3-1EFF-E587-0623-E4128304D625}" dt="2025-11-06T04:35:21.749" v="100" actId="20577"/>
+          <ac:spMkLst>
+            <pc:docMk/>
+            <pc:sldMk cId="775730755" sldId="258"/>
+            <ac:spMk id="3" creationId="{5CB288BD-84B1-DF16-6004-32D5F8A61FF7}"/>
+          </ac:spMkLst>
+        </pc:spChg>
+      </pc:sldChg>
+      <pc:sldChg chg="addSp delSp modSp">
+        <pc:chgData name="FERNANDA . MARIN GONZALEZ" userId="S::fern.marin@duocuc.cl::2297aa7b-50ce-4537-9205-6914c07831d4" providerId="AD" clId="Web-{EE97D3B3-1EFF-E587-0623-E4128304D625}" dt="2025-11-06T04:27:29.355" v="64" actId="1076"/>
+        <pc:sldMkLst>
+          <pc:docMk/>
+          <pc:sldMk cId="1890491460" sldId="263"/>
+        </pc:sldMkLst>
+        <pc:spChg chg="mod">
+          <ac:chgData name="FERNANDA . MARIN GONZALEZ" userId="S::fern.marin@duocuc.cl::2297aa7b-50ce-4537-9205-6914c07831d4" providerId="AD" clId="Web-{EE97D3B3-1EFF-E587-0623-E4128304D625}" dt="2025-11-06T04:24:51.821" v="37" actId="1076"/>
+          <ac:spMkLst>
+            <pc:docMk/>
+            <pc:sldMk cId="1890491460" sldId="263"/>
+            <ac:spMk id="7" creationId="{3A739E92-330D-944C-ED3E-C7F02FA216B3}"/>
+          </ac:spMkLst>
+        </pc:spChg>
+        <pc:picChg chg="add mod ord modCrop">
+          <ac:chgData name="FERNANDA . MARIN GONZALEZ" userId="S::fern.marin@duocuc.cl::2297aa7b-50ce-4537-9205-6914c07831d4" providerId="AD" clId="Web-{EE97D3B3-1EFF-E587-0623-E4128304D625}" dt="2025-11-06T04:27:29.355" v="64" actId="1076"/>
+          <ac:picMkLst>
+            <pc:docMk/>
+            <pc:sldMk cId="1890491460" sldId="263"/>
+            <ac:picMk id="4" creationId="{DEC24D8A-6627-1C10-0CF3-681713B73A15}"/>
+          </ac:picMkLst>
+        </pc:picChg>
+      </pc:sldChg>
+    </pc:docChg>
+  </pc:docChgLst>
+  <pc:docChgLst>
+    <pc:chgData name="FERNANDA . MARIN GONZALEZ" userId="S::fern.marin@duocuc.cl::2297aa7b-50ce-4537-9205-6914c07831d4" providerId="AD" clId="Web-{28F738A6-DC09-4BE5-5E41-55085E3A6C4F}"/>
+    <pc:docChg chg="modSld">
+      <pc:chgData name="FERNANDA . MARIN GONZALEZ" userId="S::fern.marin@duocuc.cl::2297aa7b-50ce-4537-9205-6914c07831d4" providerId="AD" clId="Web-{28F738A6-DC09-4BE5-5E41-55085E3A6C4F}" dt="2025-11-13T05:03:02.846" v="210" actId="14100"/>
+      <pc:docMkLst>
+        <pc:docMk/>
+      </pc:docMkLst>
+      <pc:sldChg chg="addSp delSp modSp">
+        <pc:chgData name="FERNANDA . MARIN GONZALEZ" userId="S::fern.marin@duocuc.cl::2297aa7b-50ce-4537-9205-6914c07831d4" providerId="AD" clId="Web-{28F738A6-DC09-4BE5-5E41-55085E3A6C4F}" dt="2025-11-13T04:47:02.974" v="182"/>
+        <pc:sldMkLst>
+          <pc:docMk/>
+          <pc:sldMk cId="775730755" sldId="258"/>
+        </pc:sldMkLst>
+        <pc:spChg chg="mod">
+          <ac:chgData name="FERNANDA . MARIN GONZALEZ" userId="S::fern.marin@duocuc.cl::2297aa7b-50ce-4537-9205-6914c07831d4" providerId="AD" clId="Web-{28F738A6-DC09-4BE5-5E41-55085E3A6C4F}" dt="2025-11-13T04:43:31.764" v="85" actId="1076"/>
+          <ac:spMkLst>
+            <pc:docMk/>
+            <pc:sldMk cId="775730755" sldId="258"/>
+            <ac:spMk id="4" creationId="{DDC84C5C-77A0-B2A2-F0BB-8A7713B865EA}"/>
+          </ac:spMkLst>
+        </pc:spChg>
+      </pc:sldChg>
+      <pc:sldChg chg="modSp">
+        <pc:chgData name="FERNANDA . MARIN GONZALEZ" userId="S::fern.marin@duocuc.cl::2297aa7b-50ce-4537-9205-6914c07831d4" providerId="AD" clId="Web-{28F738A6-DC09-4BE5-5E41-55085E3A6C4F}" dt="2025-11-13T05:02:08.032" v="187" actId="20577"/>
+        <pc:sldMkLst>
+          <pc:docMk/>
+          <pc:sldMk cId="2717669782" sldId="259"/>
+        </pc:sldMkLst>
+        <pc:spChg chg="mod">
+          <ac:chgData name="FERNANDA . MARIN GONZALEZ" userId="S::fern.marin@duocuc.cl::2297aa7b-50ce-4537-9205-6914c07831d4" providerId="AD" clId="Web-{28F738A6-DC09-4BE5-5E41-55085E3A6C4F}" dt="2025-11-13T05:02:08.032" v="187" actId="20577"/>
+          <ac:spMkLst>
+            <pc:docMk/>
+            <pc:sldMk cId="2717669782" sldId="259"/>
+            <ac:spMk id="4" creationId="{7E63425F-86F4-531E-E0F5-7A349604A51E}"/>
+          </ac:spMkLst>
+        </pc:spChg>
+      </pc:sldChg>
+      <pc:sldChg chg="addSp modSp">
+        <pc:chgData name="FERNANDA . MARIN GONZALEZ" userId="S::fern.marin@duocuc.cl::2297aa7b-50ce-4537-9205-6914c07831d4" providerId="AD" clId="Web-{28F738A6-DC09-4BE5-5E41-55085E3A6C4F}" dt="2025-11-13T05:03:02.846" v="210" actId="14100"/>
+        <pc:sldMkLst>
+          <pc:docMk/>
+          <pc:sldMk cId="3964199749" sldId="260"/>
+        </pc:sldMkLst>
+        <pc:spChg chg="add mod">
+          <ac:chgData name="FERNANDA . MARIN GONZALEZ" userId="S::fern.marin@duocuc.cl::2297aa7b-50ce-4537-9205-6914c07831d4" providerId="AD" clId="Web-{28F738A6-DC09-4BE5-5E41-55085E3A6C4F}" dt="2025-11-13T05:03:02.846" v="210" actId="14100"/>
+          <ac:spMkLst>
+            <pc:docMk/>
+            <pc:sldMk cId="3964199749" sldId="260"/>
+            <ac:spMk id="2" creationId="{365555B4-B4C8-6215-F364-52BE63867824}"/>
+          </ac:spMkLst>
+        </pc:spChg>
+        <pc:spChg chg="mod">
+          <ac:chgData name="FERNANDA . MARIN GONZALEZ" userId="S::fern.marin@duocuc.cl::2297aa7b-50ce-4537-9205-6914c07831d4" providerId="AD" clId="Web-{28F738A6-DC09-4BE5-5E41-55085E3A6C4F}" dt="2025-11-13T05:02:53.565" v="205" actId="1076"/>
+          <ac:spMkLst>
+            <pc:docMk/>
+            <pc:sldMk cId="3964199749" sldId="260"/>
+            <ac:spMk id="4" creationId="{D29775C4-148D-FA30-FAA5-21EB69B6D456}"/>
+          </ac:spMkLst>
+        </pc:spChg>
+      </pc:sldChg>
+    </pc:docChg>
+  </pc:docChgLst>
+  <pc:docChgLst>
+    <pc:chgData name="FERNANDA . MARIN GONZALEZ" userId="S::fern.marin@duocuc.cl::2297aa7b-50ce-4537-9205-6914c07831d4" providerId="AD" clId="Web-{7B905215-D68D-9AC8-5223-9DC2DB96081B}"/>
+    <pc:docChg chg="modSld">
+      <pc:chgData name="FERNANDA . MARIN GONZALEZ" userId="S::fern.marin@duocuc.cl::2297aa7b-50ce-4537-9205-6914c07831d4" providerId="AD" clId="Web-{7B905215-D68D-9AC8-5223-9DC2DB96081B}" dt="2025-11-25T00:49:57.762" v="162" actId="20577"/>
+      <pc:docMkLst>
+        <pc:docMk/>
+      </pc:docMkLst>
+      <pc:sldChg chg="modSp">
+        <pc:chgData name="FERNANDA . MARIN GONZALEZ" userId="S::fern.marin@duocuc.cl::2297aa7b-50ce-4537-9205-6914c07831d4" providerId="AD" clId="Web-{7B905215-D68D-9AC8-5223-9DC2DB96081B}" dt="2025-11-25T00:43:46.554" v="60" actId="20577"/>
+        <pc:sldMkLst>
+          <pc:docMk/>
+          <pc:sldMk cId="2391963198" sldId="256"/>
+        </pc:sldMkLst>
+        <pc:spChg chg="mod">
+          <ac:chgData name="FERNANDA . MARIN GONZALEZ" userId="S::fern.marin@duocuc.cl::2297aa7b-50ce-4537-9205-6914c07831d4" providerId="AD" clId="Web-{7B905215-D68D-9AC8-5223-9DC2DB96081B}" dt="2025-11-25T00:43:46.554" v="60" actId="20577"/>
+          <ac:spMkLst>
+            <pc:docMk/>
+            <pc:sldMk cId="2391963198" sldId="256"/>
+            <ac:spMk id="4" creationId="{E3B5815F-4341-2A3D-A22D-8F6657D201F3}"/>
+          </ac:spMkLst>
+        </pc:spChg>
+      </pc:sldChg>
+      <pc:sldChg chg="addSp modSp">
+        <pc:chgData name="FERNANDA . MARIN GONZALEZ" userId="S::fern.marin@duocuc.cl::2297aa7b-50ce-4537-9205-6914c07831d4" providerId="AD" clId="Web-{7B905215-D68D-9AC8-5223-9DC2DB96081B}" dt="2025-11-25T00:49:57.762" v="162" actId="20577"/>
+        <pc:sldMkLst>
+          <pc:docMk/>
+          <pc:sldMk cId="775730755" sldId="258"/>
+        </pc:sldMkLst>
+        <pc:spChg chg="add mod">
+          <ac:chgData name="FERNANDA . MARIN GONZALEZ" userId="S::fern.marin@duocuc.cl::2297aa7b-50ce-4537-9205-6914c07831d4" providerId="AD" clId="Web-{7B905215-D68D-9AC8-5223-9DC2DB96081B}" dt="2025-11-25T00:49:57.762" v="162" actId="20577"/>
+          <ac:spMkLst>
+            <pc:docMk/>
+            <pc:sldMk cId="775730755" sldId="258"/>
+            <ac:spMk id="2" creationId="{2B85F5C6-9FC7-4536-E565-9B71A1CB94FE}"/>
+          </ac:spMkLst>
+        </pc:spChg>
+        <pc:spChg chg="mod">
+          <ac:chgData name="FERNANDA . MARIN GONZALEZ" userId="S::fern.marin@duocuc.cl::2297aa7b-50ce-4537-9205-6914c07831d4" providerId="AD" clId="Web-{7B905215-D68D-9AC8-5223-9DC2DB96081B}" dt="2025-11-25T00:48:38.746" v="64" actId="14100"/>
+          <ac:spMkLst>
+            <pc:docMk/>
+            <pc:sldMk cId="775730755" sldId="258"/>
+            <ac:spMk id="3" creationId="{5CB288BD-84B1-DF16-6004-32D5F8A61FF7}"/>
+          </ac:spMkLst>
+        </pc:spChg>
       </pc:sldChg>
     </pc:docChg>
   </pc:docChgLst>
@@ -4694,7 +4161,7 @@
           <a:p>
             <a:fld id="{6E1704C8-43E3-4F4F-BE90-356A640D5754}" type="datetimeFigureOut">
               <a:rPr lang="es-CL" smtClean="0"/>
-              <a:t>29-10-2025</a:t>
+              <a:t>24-11-2025</a:t>
             </a:fld>
             <a:endParaRPr lang="es-CL"/>
           </a:p>
@@ -4748,7 +4215,7 @@
           <a:p>
             <a:fld id="{93B2AF52-67EF-4B3A-939D-BC0B060810A1}" type="slidenum">
               <a:rPr lang="es-CL" smtClean="0"/>
-              <a:t>‹#›</a:t>
+              <a:t>‹Nº›</a:t>
             </a:fld>
             <a:endParaRPr lang="es-CL"/>
           </a:p>
@@ -4897,7 +4364,7 @@
           <a:p>
             <a:fld id="{6E1704C8-43E3-4F4F-BE90-356A640D5754}" type="datetimeFigureOut">
               <a:rPr lang="es-CL" smtClean="0"/>
-              <a:t>29-10-2025</a:t>
+              <a:t>24-11-2025</a:t>
             </a:fld>
             <a:endParaRPr lang="es-CL"/>
           </a:p>
@@ -4951,7 +4418,7 @@
           <a:p>
             <a:fld id="{93B2AF52-67EF-4B3A-939D-BC0B060810A1}" type="slidenum">
               <a:rPr lang="es-CL" smtClean="0"/>
-              <a:t>‹#›</a:t>
+              <a:t>‹Nº›</a:t>
             </a:fld>
             <a:endParaRPr lang="es-CL"/>
           </a:p>
@@ -5110,7 +4577,7 @@
           <a:p>
             <a:fld id="{6E1704C8-43E3-4F4F-BE90-356A640D5754}" type="datetimeFigureOut">
               <a:rPr lang="es-CL" smtClean="0"/>
-              <a:t>29-10-2025</a:t>
+              <a:t>24-11-2025</a:t>
             </a:fld>
             <a:endParaRPr lang="es-CL"/>
           </a:p>
@@ -5164,7 +4631,7 @@
           <a:p>
             <a:fld id="{93B2AF52-67EF-4B3A-939D-BC0B060810A1}" type="slidenum">
               <a:rPr lang="es-CL" smtClean="0"/>
-              <a:t>‹#›</a:t>
+              <a:t>‹Nº›</a:t>
             </a:fld>
             <a:endParaRPr lang="es-CL"/>
           </a:p>
@@ -5313,7 +4780,7 @@
           <a:p>
             <a:fld id="{6E1704C8-43E3-4F4F-BE90-356A640D5754}" type="datetimeFigureOut">
               <a:rPr lang="es-CL" smtClean="0"/>
-              <a:t>29-10-2025</a:t>
+              <a:t>24-11-2025</a:t>
             </a:fld>
             <a:endParaRPr lang="es-CL"/>
           </a:p>
@@ -5367,7 +4834,7 @@
           <a:p>
             <a:fld id="{93B2AF52-67EF-4B3A-939D-BC0B060810A1}" type="slidenum">
               <a:rPr lang="es-CL" smtClean="0"/>
-              <a:t>‹#›</a:t>
+              <a:t>‹Nº›</a:t>
             </a:fld>
             <a:endParaRPr lang="es-CL"/>
           </a:p>
@@ -5592,7 +5059,7 @@
           <a:p>
             <a:fld id="{6E1704C8-43E3-4F4F-BE90-356A640D5754}" type="datetimeFigureOut">
               <a:rPr lang="es-CL" smtClean="0"/>
-              <a:t>29-10-2025</a:t>
+              <a:t>24-11-2025</a:t>
             </a:fld>
             <a:endParaRPr lang="es-CL"/>
           </a:p>
@@ -5646,7 +5113,7 @@
           <a:p>
             <a:fld id="{93B2AF52-67EF-4B3A-939D-BC0B060810A1}" type="slidenum">
               <a:rPr lang="es-CL" smtClean="0"/>
-              <a:t>‹#›</a:t>
+              <a:t>‹Nº›</a:t>
             </a:fld>
             <a:endParaRPr lang="es-CL"/>
           </a:p>
@@ -5863,7 +5330,7 @@
           <a:p>
             <a:fld id="{6E1704C8-43E3-4F4F-BE90-356A640D5754}" type="datetimeFigureOut">
               <a:rPr lang="es-CL" smtClean="0"/>
-              <a:t>29-10-2025</a:t>
+              <a:t>24-11-2025</a:t>
             </a:fld>
             <a:endParaRPr lang="es-CL"/>
           </a:p>
@@ -5917,7 +5384,7 @@
           <a:p>
             <a:fld id="{93B2AF52-67EF-4B3A-939D-BC0B060810A1}" type="slidenum">
               <a:rPr lang="es-CL" smtClean="0"/>
-              <a:t>‹#›</a:t>
+              <a:t>‹Nº›</a:t>
             </a:fld>
             <a:endParaRPr lang="es-CL"/>
           </a:p>
@@ -6281,7 +5748,7 @@
           <a:p>
             <a:fld id="{6E1704C8-43E3-4F4F-BE90-356A640D5754}" type="datetimeFigureOut">
               <a:rPr lang="es-CL" smtClean="0"/>
-              <a:t>29-10-2025</a:t>
+              <a:t>24-11-2025</a:t>
             </a:fld>
             <a:endParaRPr lang="es-CL"/>
           </a:p>
@@ -6335,7 +5802,7 @@
           <a:p>
             <a:fld id="{93B2AF52-67EF-4B3A-939D-BC0B060810A1}" type="slidenum">
               <a:rPr lang="es-CL" smtClean="0"/>
-              <a:t>‹#›</a:t>
+              <a:t>‹Nº›</a:t>
             </a:fld>
             <a:endParaRPr lang="es-CL"/>
           </a:p>
@@ -6426,7 +5893,7 @@
           <a:p>
             <a:fld id="{6E1704C8-43E3-4F4F-BE90-356A640D5754}" type="datetimeFigureOut">
               <a:rPr lang="es-CL" smtClean="0"/>
-              <a:t>29-10-2025</a:t>
+              <a:t>24-11-2025</a:t>
             </a:fld>
             <a:endParaRPr lang="es-CL"/>
           </a:p>
@@ -6480,7 +5947,7 @@
           <a:p>
             <a:fld id="{93B2AF52-67EF-4B3A-939D-BC0B060810A1}" type="slidenum">
               <a:rPr lang="es-CL" smtClean="0"/>
-              <a:t>‹#›</a:t>
+              <a:t>‹Nº›</a:t>
             </a:fld>
             <a:endParaRPr lang="es-CL"/>
           </a:p>
@@ -6542,7 +6009,7 @@
           <a:p>
             <a:fld id="{6E1704C8-43E3-4F4F-BE90-356A640D5754}" type="datetimeFigureOut">
               <a:rPr lang="es-CL" smtClean="0"/>
-              <a:t>29-10-2025</a:t>
+              <a:t>24-11-2025</a:t>
             </a:fld>
             <a:endParaRPr lang="es-CL"/>
           </a:p>
@@ -6596,7 +6063,7 @@
           <a:p>
             <a:fld id="{93B2AF52-67EF-4B3A-939D-BC0B060810A1}" type="slidenum">
               <a:rPr lang="es-CL" smtClean="0"/>
-              <a:t>‹#›</a:t>
+              <a:t>‹Nº›</a:t>
             </a:fld>
             <a:endParaRPr lang="es-CL"/>
           </a:p>
@@ -6858,7 +6325,7 @@
           <a:p>
             <a:fld id="{6E1704C8-43E3-4F4F-BE90-356A640D5754}" type="datetimeFigureOut">
               <a:rPr lang="es-CL" smtClean="0"/>
-              <a:t>29-10-2025</a:t>
+              <a:t>24-11-2025</a:t>
             </a:fld>
             <a:endParaRPr lang="es-CL"/>
           </a:p>
@@ -6912,7 +6379,7 @@
           <a:p>
             <a:fld id="{93B2AF52-67EF-4B3A-939D-BC0B060810A1}" type="slidenum">
               <a:rPr lang="es-CL" smtClean="0"/>
-              <a:t>‹#›</a:t>
+              <a:t>‹Nº›</a:t>
             </a:fld>
             <a:endParaRPr lang="es-CL"/>
           </a:p>
@@ -7150,7 +6617,7 @@
           <a:p>
             <a:fld id="{6E1704C8-43E3-4F4F-BE90-356A640D5754}" type="datetimeFigureOut">
               <a:rPr lang="es-CL" smtClean="0"/>
-              <a:t>29-10-2025</a:t>
+              <a:t>24-11-2025</a:t>
             </a:fld>
             <a:endParaRPr lang="es-CL"/>
           </a:p>
@@ -7204,7 +6671,7 @@
           <a:p>
             <a:fld id="{93B2AF52-67EF-4B3A-939D-BC0B060810A1}" type="slidenum">
               <a:rPr lang="es-CL" smtClean="0"/>
-              <a:t>‹#›</a:t>
+              <a:t>‹Nº›</a:t>
             </a:fld>
             <a:endParaRPr lang="es-CL"/>
           </a:p>
@@ -7396,7 +6863,7 @@
           <a:p>
             <a:fld id="{6E1704C8-43E3-4F4F-BE90-356A640D5754}" type="datetimeFigureOut">
               <a:rPr lang="es-CL" smtClean="0"/>
-              <a:t>29-10-2025</a:t>
+              <a:t>24-11-2025</a:t>
             </a:fld>
             <a:endParaRPr lang="es-CL"/>
           </a:p>
@@ -7486,7 +6953,7 @@
           <a:p>
             <a:fld id="{93B2AF52-67EF-4B3A-939D-BC0B060810A1}" type="slidenum">
               <a:rPr lang="es-CL" smtClean="0"/>
-              <a:t>‹#›</a:t>
+              <a:t>‹Nº›</a:t>
             </a:fld>
             <a:endParaRPr lang="es-CL"/>
           </a:p>
@@ -7878,7 +7345,7 @@
         <p:spPr>
           <a:xfrm>
             <a:off x="1" y="2707792"/>
-            <a:ext cx="12191999" cy="1138773"/>
+            <a:ext cx="12191999" cy="2062103"/>
           </a:xfrm>
           <a:prstGeom prst="rect">
             <a:avLst/>
@@ -7893,17 +7360,36 @@
           <a:p>
             <a:pPr algn="ctr"/>
             <a:r>
-              <a:rPr lang="es-MX" sz="4400"/>
+              <a:rPr lang="es-MX" sz="4400" dirty="0"/>
               <a:t>PROYECTO “SYNAPQUEST”</a:t>
             </a:r>
           </a:p>
           <a:p>
             <a:pPr algn="ctr"/>
             <a:r>
-              <a:rPr lang="es-MX" sz="2400"/>
+              <a:rPr lang="es-MX" sz="2000" dirty="0">
+                <a:ea typeface="Calibri"/>
+                <a:cs typeface="Calibri"/>
+              </a:rPr>
+              <a:t>Una plataforma de aprendizaje adaptativo</a:t>
+            </a:r>
+            <a:endParaRPr lang="es-MX" sz="2000" dirty="0"/>
+          </a:p>
+          <a:p>
+            <a:pPr algn="ctr"/>
+            <a:endParaRPr lang="es-MX" sz="2000" dirty="0"/>
+          </a:p>
+          <a:p>
+            <a:pPr algn="ctr"/>
+            <a:endParaRPr lang="es-MX" sz="2000" dirty="0"/>
+          </a:p>
+          <a:p>
+            <a:pPr algn="ctr"/>
+            <a:r>
+              <a:rPr lang="es-MX" sz="2400" dirty="0"/>
               <a:t>PRESENTACIÓN FINAL CAPSTONE</a:t>
             </a:r>
-            <a:endParaRPr lang="es-CL" sz="2400"/>
+            <a:endParaRPr lang="es-CL" sz="2400" dirty="0"/>
           </a:p>
         </p:txBody>
       </p:sp>
@@ -10164,7 +9650,7 @@
           <a:p>
             <a:pPr lvl="0" algn="ctr"/>
             <a:r>
-              <a:rPr lang="es-MX" sz="2800" u="sng"/>
+              <a:rPr lang="es-MX" sz="2800" u="sng" dirty="0"/>
               <a:t>Problema o dolor</a:t>
             </a:r>
           </a:p>
@@ -10178,13 +9664,13 @@
               <a:buChar char="•"/>
             </a:pPr>
             <a:r>
-              <a:rPr lang="es-MX">
+              <a:rPr lang="es-MX" dirty="0">
                 <a:ea typeface="+mn-lt"/>
                 <a:cs typeface="+mn-lt"/>
               </a:rPr>
-              <a:t>Las plataformas educativas habituales son lineales y poco flexibles; no se ajustan a los ritmos atencionales del TDAH.</a:t>
+              <a:t>El sistema educativo actual en Chile es lineal y poco flexible; no se ajustan a los ritmos atencionales del TDAH.</a:t>
             </a:r>
-            <a:endParaRPr lang="es-MX">
+            <a:endParaRPr lang="es-MX" dirty="0">
               <a:ea typeface="Calibri" panose="020F0502020204030204"/>
               <a:cs typeface="Calibri" panose="020F0502020204030204"/>
             </a:endParaRPr>
@@ -10195,13 +9681,13 @@
               <a:buChar char="•"/>
             </a:pPr>
             <a:r>
-              <a:rPr lang="es-MX">
+              <a:rPr lang="es-MX" dirty="0">
                 <a:ea typeface="+mn-lt"/>
                 <a:cs typeface="+mn-lt"/>
               </a:rPr>
               <a:t>Esto provoca frustración, abandono de tareas y bajo rendimiento académico.</a:t>
             </a:r>
-            <a:endParaRPr lang="es-MX">
+            <a:endParaRPr lang="es-MX" dirty="0">
               <a:ea typeface="Calibri" panose="020F0502020204030204"/>
               <a:cs typeface="Calibri" panose="020F0502020204030204"/>
             </a:endParaRPr>
@@ -10212,20 +9698,27 @@
               <a:buChar char="•"/>
             </a:pPr>
             <a:r>
-              <a:rPr lang="es-MX">
+              <a:rPr lang="es-MX" dirty="0">
                 <a:ea typeface="+mn-lt"/>
                 <a:cs typeface="+mn-lt"/>
               </a:rPr>
               <a:t>Se requiere adaptar contenido, formato y tiempos de estudio de manera dinámica.</a:t>
             </a:r>
-            <a:endParaRPr lang="es-MX">
+            <a:endParaRPr lang="es-MX" dirty="0">
               <a:ea typeface="Calibri" panose="020F0502020204030204"/>
               <a:cs typeface="Calibri" panose="020F0502020204030204"/>
             </a:endParaRPr>
           </a:p>
           <a:p>
+            <a:pPr algn="just"/>
+            <a:endParaRPr lang="es-MX" sz="1800" dirty="0">
+              <a:ea typeface="Calibri"/>
+              <a:cs typeface="Calibri"/>
+            </a:endParaRPr>
+          </a:p>
+          <a:p>
             <a:pPr algn="ctr"/>
-            <a:endParaRPr lang="es-CL" sz="1800" u="sng">
+            <a:endParaRPr lang="es-CL" u="sng">
               <a:ea typeface="Calibri"/>
               <a:cs typeface="Calibri"/>
             </a:endParaRPr>
@@ -10246,7 +9739,7 @@
         </p:nvSpPr>
         <p:spPr>
           <a:xfrm>
-            <a:off x="6912079" y="2177325"/>
+            <a:off x="6985148" y="2166887"/>
             <a:ext cx="4348705" cy="4092601"/>
           </a:xfrm>
           <a:prstGeom prst="roundRect">
@@ -10391,6 +9884,50 @@
           <a:p>
             <a:pPr algn="ctr"/>
             <a:endParaRPr lang="es-CL"/>
+          </a:p>
+        </p:txBody>
+      </p:sp>
+      <p:sp>
+        <p:nvSpPr>
+          <p:cNvPr id="2" name="CuadroTexto 1">
+            <a:extLst>
+              <a:ext uri="{FF2B5EF4-FFF2-40B4-BE49-F238E27FC236}">
+                <a16:creationId xmlns:a16="http://schemas.microsoft.com/office/drawing/2014/main" id="{2B85F5C6-9FC7-4536-E565-9B71A1CB94FE}"/>
+              </a:ext>
+            </a:extLst>
+          </p:cNvPr>
+          <p:cNvSpPr txBox="1"/>
+          <p:nvPr/>
+        </p:nvSpPr>
+        <p:spPr>
+          <a:xfrm>
+            <a:off x="290286" y="6452810"/>
+            <a:ext cx="7559523" cy="307777"/>
+          </a:xfrm>
+          <a:prstGeom prst="rect">
+            <a:avLst/>
+          </a:prstGeom>
+          <a:noFill/>
+        </p:spPr>
+        <p:txBody>
+          <a:bodyPr rot="0" spcFirstLastPara="0" vertOverflow="overflow" horzOverflow="overflow" vert="horz" wrap="square" lIns="91440" tIns="45720" rIns="91440" bIns="45720" numCol="1" spcCol="0" rtlCol="0" fromWordArt="0" anchor="t" anchorCtr="0" forceAA="0" compatLnSpc="1">
+            <a:prstTxWarp prst="textNoShape">
+              <a:avLst/>
+            </a:prstTxWarp>
+            <a:spAutoFit/>
+          </a:bodyPr>
+          <a:lstStyle/>
+          <a:p>
+            <a:r>
+              <a:rPr lang="es-MX" sz="1400" dirty="0">
+                <a:solidFill>
+                  <a:srgbClr val="767171"/>
+                </a:solidFill>
+                <a:ea typeface="Calibri"/>
+                <a:cs typeface="Calibri"/>
+              </a:rPr>
+              <a:t>En Concepción, un estudio encontró que el 3,7% de los estudiantes de 6 a 17 años, presentan TDAH.</a:t>
+            </a:r>
           </a:p>
         </p:txBody>
       </p:sp>
@@ -10938,55 +10475,28 @@
               <a:buChar char="•"/>
             </a:pPr>
             <a:r>
-              <a:rPr lang="es-MX">
-                <a:ea typeface="+mn-lt"/>
-                <a:cs typeface="+mn-lt"/>
-              </a:rPr>
-              <a:t>Desarrollar un sistema de </a:t>
-            </a:r>
-            <a:r>
-              <a:rPr lang="es-MX" b="1">
-                <a:ea typeface="+mn-lt"/>
-                <a:cs typeface="+mn-lt"/>
-              </a:rPr>
-              <a:t>evaluación continua</a:t>
-            </a:r>
-            <a:r>
-              <a:rPr lang="es-MX">
-                <a:ea typeface="+mn-lt"/>
-                <a:cs typeface="+mn-lt"/>
-              </a:rPr>
-              <a:t> de atención y rendimiento del usuario. </a:t>
-            </a:r>
-          </a:p>
-          <a:p>
-            <a:pPr marL="285750" indent="-285750" algn="ctr">
-              <a:buFont typeface="Arial"/>
-              <a:buChar char="•"/>
-            </a:pPr>
-            <a:r>
-              <a:rPr lang="es-MX">
+              <a:rPr lang="es-MX" dirty="0">
                 <a:ea typeface="+mn-lt"/>
                 <a:cs typeface="+mn-lt"/>
               </a:rPr>
               <a:t>Diseñar una </a:t>
             </a:r>
             <a:r>
-              <a:rPr lang="es-MX" b="1">
+              <a:rPr lang="es-MX" b="1" dirty="0">
                 <a:ea typeface="+mn-lt"/>
                 <a:cs typeface="+mn-lt"/>
               </a:rPr>
               <a:t>interfaz </a:t>
             </a:r>
             <a:r>
-              <a:rPr lang="es-MX" b="1" err="1">
+              <a:rPr lang="es-MX" b="1" dirty="0" err="1">
                 <a:ea typeface="+mn-lt"/>
                 <a:cs typeface="+mn-lt"/>
               </a:rPr>
               <a:t>gamificada</a:t>
             </a:r>
             <a:r>
-              <a:rPr lang="es-MX">
+              <a:rPr lang="es-MX" dirty="0">
                 <a:ea typeface="+mn-lt"/>
                 <a:cs typeface="+mn-lt"/>
               </a:rPr>
@@ -10999,21 +10509,49 @@
               <a:buChar char="•"/>
             </a:pPr>
             <a:r>
-              <a:rPr lang="es-MX">
+              <a:rPr lang="es-MX" dirty="0">
+                <a:ea typeface="+mn-lt"/>
+                <a:cs typeface="+mn-lt"/>
+              </a:rPr>
+              <a:t>Desarrollar un sistema de </a:t>
+            </a:r>
+            <a:r>
+              <a:rPr lang="es-MX" b="1" dirty="0">
+                <a:ea typeface="+mn-lt"/>
+                <a:cs typeface="+mn-lt"/>
+              </a:rPr>
+              <a:t>evaluación continua</a:t>
+            </a:r>
+            <a:r>
+              <a:rPr lang="es-MX" dirty="0">
+                <a:ea typeface="+mn-lt"/>
+                <a:cs typeface="+mn-lt"/>
+              </a:rPr>
+              <a:t> de atención y rendimiento del usuario. </a:t>
+            </a:r>
+            <a:endParaRPr lang="es-MX" dirty="0"/>
+          </a:p>
+          <a:p>
+            <a:pPr marL="285750" indent="-285750" algn="ctr">
+              <a:buFont typeface="Arial"/>
+              <a:buChar char="•"/>
+            </a:pPr>
+            <a:r>
+              <a:rPr lang="es-MX" dirty="0">
                 <a:ea typeface="+mn-lt"/>
                 <a:cs typeface="+mn-lt"/>
               </a:rPr>
               <a:t>Integrar un </a:t>
             </a:r>
             <a:r>
-              <a:rPr lang="es-MX" b="1">
+              <a:rPr lang="es-MX" b="1" dirty="0">
                 <a:ea typeface="+mn-lt"/>
                 <a:cs typeface="+mn-lt"/>
               </a:rPr>
               <a:t>módulo de seguimiento</a:t>
             </a:r>
             <a:r>
-              <a:rPr lang="es-MX">
+              <a:rPr lang="es-MX" dirty="0">
                 <a:ea typeface="+mn-lt"/>
                 <a:cs typeface="+mn-lt"/>
               </a:rPr>
@@ -11026,48 +10564,48 @@
               <a:buChar char="•"/>
             </a:pPr>
             <a:r>
-              <a:rPr lang="es-MX" b="1">
+              <a:rPr lang="es-MX" b="1" dirty="0">
                 <a:ea typeface="+mn-lt"/>
                 <a:cs typeface="+mn-lt"/>
               </a:rPr>
               <a:t>Validar</a:t>
             </a:r>
             <a:r>
-              <a:rPr lang="es-MX">
+              <a:rPr lang="es-MX" dirty="0">
                 <a:ea typeface="+mn-lt"/>
                 <a:cs typeface="+mn-lt"/>
               </a:rPr>
               <a:t> la plataforma con pruebas de usuarios, midiendo mejora en </a:t>
             </a:r>
             <a:r>
-              <a:rPr lang="es-MX" b="1">
+              <a:rPr lang="es-MX" b="1" dirty="0">
                 <a:ea typeface="+mn-lt"/>
                 <a:cs typeface="+mn-lt"/>
               </a:rPr>
               <a:t>retención</a:t>
             </a:r>
             <a:r>
-              <a:rPr lang="es-MX">
+              <a:rPr lang="es-MX" dirty="0">
                 <a:ea typeface="+mn-lt"/>
                 <a:cs typeface="+mn-lt"/>
               </a:rPr>
               <a:t> y </a:t>
             </a:r>
             <a:r>
-              <a:rPr lang="es-MX" b="1">
+              <a:rPr lang="es-MX" b="1" dirty="0">
                 <a:ea typeface="+mn-lt"/>
                 <a:cs typeface="+mn-lt"/>
               </a:rPr>
               <a:t>satisfacción</a:t>
             </a:r>
             <a:r>
-              <a:rPr lang="es-MX">
+              <a:rPr lang="es-MX" dirty="0">
                 <a:ea typeface="+mn-lt"/>
                 <a:cs typeface="+mn-lt"/>
               </a:rPr>
               <a:t>.</a:t>
             </a:r>
-            <a:endParaRPr lang="es-MX">
+            <a:endParaRPr lang="es-MX" dirty="0">
               <a:ea typeface="Calibri" panose="020F0502020204030204"/>
               <a:cs typeface="Calibri" panose="020F0502020204030204"/>
             </a:endParaRPr>
@@ -12082,7 +11620,7 @@
         </p:nvSpPr>
         <p:spPr>
           <a:xfrm>
-            <a:off x="6096000" y="2599150"/>
+            <a:off x="6096000" y="2964492"/>
             <a:ext cx="5081390" cy="2031325"/>
           </a:xfrm>
           <a:prstGeom prst="rect">
@@ -12211,6 +11749,55 @@
               </a:rPr>
               <a:t> sencilla.</a:t>
             </a:r>
+          </a:p>
+        </p:txBody>
+      </p:sp>
+      <p:sp>
+        <p:nvSpPr>
+          <p:cNvPr id="2" name="CuadroTexto 1">
+            <a:extLst>
+              <a:ext uri="{FF2B5EF4-FFF2-40B4-BE49-F238E27FC236}">
+                <a16:creationId xmlns:a16="http://schemas.microsoft.com/office/drawing/2014/main" id="{365555B4-B4C8-6215-F364-52BE63867824}"/>
+              </a:ext>
+            </a:extLst>
+          </p:cNvPr>
+          <p:cNvSpPr txBox="1"/>
+          <p:nvPr/>
+        </p:nvSpPr>
+        <p:spPr>
+          <a:xfrm>
+            <a:off x="5897671" y="2442575"/>
+            <a:ext cx="3880979" cy="461665"/>
+          </a:xfrm>
+          <a:prstGeom prst="rect">
+            <a:avLst/>
+          </a:prstGeom>
+          <a:noFill/>
+        </p:spPr>
+        <p:txBody>
+          <a:bodyPr rot="0" spcFirstLastPara="0" vertOverflow="overflow" horzOverflow="overflow" vert="horz" wrap="square" lIns="91440" tIns="45720" rIns="91440" bIns="45720" numCol="1" spcCol="0" rtlCol="0" fromWordArt="0" anchor="t" anchorCtr="0" forceAA="0" compatLnSpc="1">
+            <a:prstTxWarp prst="textNoShape">
+              <a:avLst/>
+            </a:prstTxWarp>
+            <a:spAutoFit/>
+          </a:bodyPr>
+          <a:lstStyle/>
+          <a:p>
+            <a:r>
+              <a:rPr lang="es-ES" sz="2400" b="1" dirty="0">
+                <a:solidFill>
+                  <a:srgbClr val="4472C4"/>
+                </a:solidFill>
+                <a:ea typeface="Calibri"/>
+                <a:cs typeface="Calibri"/>
+              </a:rPr>
+              <a:t>¿Por qué Kanban?</a:t>
+            </a:r>
+            <a:endParaRPr lang="es-ES" sz="2400" b="1" dirty="0">
+              <a:solidFill>
+                <a:srgbClr val="4472C4"/>
+              </a:solidFill>
+            </a:endParaRPr>
           </a:p>
         </p:txBody>
       </p:sp>
@@ -24493,53 +24080,37 @@
           <a:chExt cx="0" cy="0"/>
         </a:xfrm>
       </p:grpSpPr>
-      <p:sp>
-        <p:nvSpPr>
-          <p:cNvPr id="32" name="Rectángulo 31">
+      <p:pic>
+        <p:nvPicPr>
+          <p:cNvPr id="4" name="Imagen 3" descr="Diagrama&#10;&#10;El contenido generado por IA puede ser incorrecto.">
             <a:extLst>
               <a:ext uri="{FF2B5EF4-FFF2-40B4-BE49-F238E27FC236}">
-                <a16:creationId xmlns:a16="http://schemas.microsoft.com/office/drawing/2014/main" id="{7F1540C8-DA26-C823-D042-4FB568A622BB}"/>
+                <a16:creationId xmlns:a16="http://schemas.microsoft.com/office/drawing/2014/main" id="{DEC24D8A-6627-1C10-0CF3-681713B73A15}"/>
               </a:ext>
             </a:extLst>
           </p:cNvPr>
-          <p:cNvSpPr/>
+          <p:cNvPicPr>
+            <a:picLocks noChangeAspect="1"/>
+          </p:cNvPicPr>
           <p:nvPr/>
-        </p:nvSpPr>
+        </p:nvPicPr>
+        <p:blipFill>
+          <a:blip r:embed="rId2"/>
+          <a:srcRect l="2664" t="2650" r="4241" b="8968"/>
+          <a:stretch>
+            <a:fillRect/>
+          </a:stretch>
+        </p:blipFill>
         <p:spPr>
           <a:xfrm>
-            <a:off x="3841314" y="1878903"/>
-            <a:ext cx="7713945" cy="4739013"/>
+            <a:off x="1520347" y="1156169"/>
+            <a:ext cx="9151531" cy="5709973"/>
           </a:xfrm>
           <a:prstGeom prst="rect">
             <a:avLst/>
           </a:prstGeom>
-          <a:noFill/>
         </p:spPr>
-        <p:style>
-          <a:lnRef idx="2">
-            <a:schemeClr val="accent1">
-              <a:shade val="15000"/>
-            </a:schemeClr>
-          </a:lnRef>
-          <a:fillRef idx="1">
-            <a:schemeClr val="accent1"/>
-          </a:fillRef>
-          <a:effectRef idx="0">
-            <a:schemeClr val="accent1"/>
-          </a:effectRef>
-          <a:fontRef idx="minor">
-            <a:schemeClr val="lt1"/>
-          </a:fontRef>
-        </p:style>
-        <p:txBody>
-          <a:bodyPr rtlCol="0" anchor="ctr"/>
-          <a:lstStyle/>
-          <a:p>
-            <a:pPr algn="ctr"/>
-            <a:endParaRPr lang="es-ES"/>
-          </a:p>
-        </p:txBody>
-      </p:sp>
+      </p:pic>
       <p:pic>
         <p:nvPicPr>
           <p:cNvPr id="1026" name="Picture 2" descr="EscuelaIT Duoc UC - Escuela de Informática y Telecomunicaciones Duoc UC - Duoc  UC | LinkedIn">
@@ -24555,7 +24126,7 @@
           <p:nvPr/>
         </p:nvPicPr>
         <p:blipFill>
-          <a:blip r:embed="rId2">
+          <a:blip r:embed="rId3">
             <a:extLst>
               <a:ext uri="{28A0092B-C50C-407E-A947-70E740481C1C}">
                 <a14:useLocalDpi xmlns:a14="http://schemas.microsoft.com/office/drawing/2010/main" val="0"/>
@@ -24649,7 +24220,7 @@
         </p:nvSpPr>
         <p:spPr>
           <a:xfrm>
-            <a:off x="0" y="1070705"/>
+            <a:off x="0" y="832580"/>
             <a:ext cx="12191999" cy="646331"/>
           </a:xfrm>
           <a:prstGeom prst="rect">
@@ -24740,1456 +24311,6 @@
           </a:fillRef>
           <a:effectRef idx="0">
             <a:schemeClr val="accent1"/>
-          </a:effectRef>
-          <a:fontRef idx="minor">
-            <a:schemeClr val="tx1"/>
-          </a:fontRef>
-        </p:style>
-      </p:cxnSp>
-      <p:pic>
-        <p:nvPicPr>
-          <p:cNvPr id="2" name="Imagen 1" descr="Persona - Iconos gratis de social">
-            <a:extLst>
-              <a:ext uri="{FF2B5EF4-FFF2-40B4-BE49-F238E27FC236}">
-                <a16:creationId xmlns:a16="http://schemas.microsoft.com/office/drawing/2014/main" id="{AF94760E-2884-F877-775C-37470E81A32C}"/>
-              </a:ext>
-            </a:extLst>
-          </p:cNvPr>
-          <p:cNvPicPr>
-            <a:picLocks noChangeAspect="1"/>
-          </p:cNvPicPr>
-          <p:nvPr/>
-        </p:nvPicPr>
-        <p:blipFill>
-          <a:blip r:embed="rId3"/>
-          <a:stretch>
-            <a:fillRect/>
-          </a:stretch>
-        </p:blipFill>
-        <p:spPr>
-          <a:xfrm>
-            <a:off x="676275" y="2571750"/>
-            <a:ext cx="971550" cy="971550"/>
-          </a:xfrm>
-          <a:prstGeom prst="rect">
-            <a:avLst/>
-          </a:prstGeom>
-        </p:spPr>
-      </p:pic>
-      <p:sp>
-        <p:nvSpPr>
-          <p:cNvPr id="3" name="CuadroTexto 2">
-            <a:extLst>
-              <a:ext uri="{FF2B5EF4-FFF2-40B4-BE49-F238E27FC236}">
-                <a16:creationId xmlns:a16="http://schemas.microsoft.com/office/drawing/2014/main" id="{6C89EB8C-C80B-D0C3-6265-C787B89A0C3C}"/>
-              </a:ext>
-            </a:extLst>
-          </p:cNvPr>
-          <p:cNvSpPr txBox="1"/>
-          <p:nvPr/>
-        </p:nvSpPr>
-        <p:spPr>
-          <a:xfrm>
-            <a:off x="547361" y="3544343"/>
-            <a:ext cx="1228725" cy="523220"/>
-          </a:xfrm>
-          <a:prstGeom prst="rect">
-            <a:avLst/>
-          </a:prstGeom>
-          <a:noFill/>
-        </p:spPr>
-        <p:txBody>
-          <a:bodyPr rot="0" spcFirstLastPara="0" vertOverflow="overflow" horzOverflow="overflow" vert="horz" wrap="square" lIns="91440" tIns="45720" rIns="91440" bIns="45720" numCol="1" spcCol="0" rtlCol="0" fromWordArt="0" anchor="t" anchorCtr="0" forceAA="0" compatLnSpc="1">
-            <a:prstTxWarp prst="textNoShape">
-              <a:avLst/>
-            </a:prstTxWarp>
-            <a:spAutoFit/>
-          </a:bodyPr>
-          <a:lstStyle/>
-          <a:p>
-            <a:r>
-              <a:rPr lang="es-ES">
-                <a:ea typeface="Calibri"/>
-                <a:cs typeface="Calibri"/>
-              </a:rPr>
-              <a:t>Estudiante</a:t>
-            </a:r>
-          </a:p>
-          <a:p>
-            <a:r>
-              <a:rPr lang="es-ES" sz="900">
-                <a:ea typeface="Calibri"/>
-                <a:cs typeface="Calibri"/>
-              </a:rPr>
-              <a:t>(</a:t>
-            </a:r>
-            <a:r>
-              <a:rPr lang="es-ES" sz="900">
-                <a:ea typeface="+mn-lt"/>
-                <a:cs typeface="+mn-lt"/>
-              </a:rPr>
-              <a:t>Realiza actividades</a:t>
-            </a:r>
-            <a:r>
-              <a:rPr lang="es-ES" sz="900">
-                <a:ea typeface="Calibri"/>
-                <a:cs typeface="Calibri"/>
-              </a:rPr>
-              <a:t>)</a:t>
-            </a:r>
-          </a:p>
-        </p:txBody>
-      </p:sp>
-      <p:sp>
-        <p:nvSpPr>
-          <p:cNvPr id="10" name="Rectángulo 9">
-            <a:extLst>
-              <a:ext uri="{FF2B5EF4-FFF2-40B4-BE49-F238E27FC236}">
-                <a16:creationId xmlns:a16="http://schemas.microsoft.com/office/drawing/2014/main" id="{400C85C3-2BF5-DEE0-BE5D-3F1BF3E28C25}"/>
-              </a:ext>
-            </a:extLst>
-          </p:cNvPr>
-          <p:cNvSpPr/>
-          <p:nvPr/>
-        </p:nvSpPr>
-        <p:spPr>
-          <a:xfrm>
-            <a:off x="4127847" y="2319141"/>
-            <a:ext cx="1680575" cy="1054273"/>
-          </a:xfrm>
-          <a:prstGeom prst="rect">
-            <a:avLst/>
-          </a:prstGeom>
-          <a:noFill/>
-        </p:spPr>
-        <p:style>
-          <a:lnRef idx="2">
-            <a:schemeClr val="accent1">
-              <a:shade val="15000"/>
-            </a:schemeClr>
-          </a:lnRef>
-          <a:fillRef idx="1">
-            <a:schemeClr val="accent1"/>
-          </a:fillRef>
-          <a:effectRef idx="0">
-            <a:schemeClr val="accent1"/>
-          </a:effectRef>
-          <a:fontRef idx="minor">
-            <a:schemeClr val="lt1"/>
-          </a:fontRef>
-        </p:style>
-        <p:txBody>
-          <a:bodyPr rtlCol="0" anchor="ctr"/>
-          <a:lstStyle/>
-          <a:p>
-            <a:pPr algn="ctr"/>
-            <a:endParaRPr lang="es-ES"/>
-          </a:p>
-        </p:txBody>
-      </p:sp>
-      <p:sp>
-        <p:nvSpPr>
-          <p:cNvPr id="11" name="Rectángulo 10">
-            <a:extLst>
-              <a:ext uri="{FF2B5EF4-FFF2-40B4-BE49-F238E27FC236}">
-                <a16:creationId xmlns:a16="http://schemas.microsoft.com/office/drawing/2014/main" id="{F4BC1857-F7C1-CA0E-41CF-705A36EA2B73}"/>
-              </a:ext>
-            </a:extLst>
-          </p:cNvPr>
-          <p:cNvSpPr/>
-          <p:nvPr/>
-        </p:nvSpPr>
-        <p:spPr>
-          <a:xfrm>
-            <a:off x="7174933" y="2256510"/>
-            <a:ext cx="3252200" cy="1119383"/>
-          </a:xfrm>
-          <a:prstGeom prst="rect">
-            <a:avLst/>
-          </a:prstGeom>
-          <a:noFill/>
-        </p:spPr>
-        <p:style>
-          <a:lnRef idx="2">
-            <a:schemeClr val="accent1">
-              <a:shade val="15000"/>
-            </a:schemeClr>
-          </a:lnRef>
-          <a:fillRef idx="1">
-            <a:schemeClr val="accent1"/>
-          </a:fillRef>
-          <a:effectRef idx="0">
-            <a:schemeClr val="accent1"/>
-          </a:effectRef>
-          <a:fontRef idx="minor">
-            <a:schemeClr val="lt1"/>
-          </a:fontRef>
-        </p:style>
-        <p:txBody>
-          <a:bodyPr rtlCol="0" anchor="ctr"/>
-          <a:lstStyle/>
-          <a:p>
-            <a:pPr algn="ctr"/>
-            <a:endParaRPr lang="es-ES"/>
-          </a:p>
-        </p:txBody>
-      </p:sp>
-      <p:cxnSp>
-        <p:nvCxnSpPr>
-          <p:cNvPr id="14" name="Conector recto de flecha 13">
-            <a:extLst>
-              <a:ext uri="{FF2B5EF4-FFF2-40B4-BE49-F238E27FC236}">
-                <a16:creationId xmlns:a16="http://schemas.microsoft.com/office/drawing/2014/main" id="{43E4E86B-B21C-A33B-BC5D-F55C44ABD057}"/>
-              </a:ext>
-            </a:extLst>
-          </p:cNvPr>
-          <p:cNvCxnSpPr/>
-          <p:nvPr/>
-        </p:nvCxnSpPr>
-        <p:spPr>
-          <a:xfrm flipV="1">
-            <a:off x="5805161" y="2853976"/>
-            <a:ext cx="1352158" cy="5350"/>
-          </a:xfrm>
-          <a:prstGeom prst="straightConnector1">
-            <a:avLst/>
-          </a:prstGeom>
-          <a:ln>
-            <a:tailEnd type="triangle"/>
-          </a:ln>
-        </p:spPr>
-        <p:style>
-          <a:lnRef idx="2">
-            <a:schemeClr val="dk1"/>
-          </a:lnRef>
-          <a:fillRef idx="0">
-            <a:schemeClr val="dk1"/>
-          </a:fillRef>
-          <a:effectRef idx="1">
-            <a:schemeClr val="dk1"/>
-          </a:effectRef>
-          <a:fontRef idx="minor">
-            <a:schemeClr val="tx1"/>
-          </a:fontRef>
-        </p:style>
-      </p:cxnSp>
-      <p:cxnSp>
-        <p:nvCxnSpPr>
-          <p:cNvPr id="15" name="Conector recto de flecha 14">
-            <a:extLst>
-              <a:ext uri="{FF2B5EF4-FFF2-40B4-BE49-F238E27FC236}">
-                <a16:creationId xmlns:a16="http://schemas.microsoft.com/office/drawing/2014/main" id="{6DB40771-97C2-86D6-65EE-FFA6499CA40B}"/>
-              </a:ext>
-            </a:extLst>
-          </p:cNvPr>
-          <p:cNvCxnSpPr>
-            <a:cxnSpLocks/>
-          </p:cNvCxnSpPr>
-          <p:nvPr/>
-        </p:nvCxnSpPr>
-        <p:spPr>
-          <a:xfrm>
-            <a:off x="2576185" y="4213571"/>
-            <a:ext cx="1047358" cy="4175"/>
-          </a:xfrm>
-          <a:prstGeom prst="straightConnector1">
-            <a:avLst/>
-          </a:prstGeom>
-          <a:ln>
-            <a:tailEnd type="triangle"/>
-          </a:ln>
-        </p:spPr>
-        <p:style>
-          <a:lnRef idx="2">
-            <a:schemeClr val="dk1"/>
-          </a:lnRef>
-          <a:fillRef idx="0">
-            <a:schemeClr val="dk1"/>
-          </a:fillRef>
-          <a:effectRef idx="1">
-            <a:schemeClr val="dk1"/>
-          </a:effectRef>
-          <a:fontRef idx="minor">
-            <a:schemeClr val="tx1"/>
-          </a:fontRef>
-        </p:style>
-      </p:cxnSp>
-      <p:sp>
-        <p:nvSpPr>
-          <p:cNvPr id="17" name="CuadroTexto 16">
-            <a:extLst>
-              <a:ext uri="{FF2B5EF4-FFF2-40B4-BE49-F238E27FC236}">
-                <a16:creationId xmlns:a16="http://schemas.microsoft.com/office/drawing/2014/main" id="{C5251A23-FD32-3F2D-5C62-948C672499F9}"/>
-              </a:ext>
-            </a:extLst>
-          </p:cNvPr>
-          <p:cNvSpPr txBox="1"/>
-          <p:nvPr/>
-        </p:nvSpPr>
-        <p:spPr>
-          <a:xfrm>
-            <a:off x="5995008" y="2712537"/>
-            <a:ext cx="971550" cy="276999"/>
-          </a:xfrm>
-          <a:prstGeom prst="rect">
-            <a:avLst/>
-          </a:prstGeom>
-          <a:solidFill>
-            <a:schemeClr val="bg1"/>
-          </a:solidFill>
-        </p:spPr>
-        <p:txBody>
-          <a:bodyPr rot="0" spcFirstLastPara="0" vertOverflow="overflow" horzOverflow="overflow" vert="horz" wrap="square" lIns="91440" tIns="45720" rIns="91440" bIns="45720" numCol="1" spcCol="0" rtlCol="0" fromWordArt="0" anchor="t" anchorCtr="0" forceAA="0" compatLnSpc="1">
-            <a:prstTxWarp prst="textNoShape">
-              <a:avLst/>
-            </a:prstTxWarp>
-            <a:spAutoFit/>
-          </a:bodyPr>
-          <a:lstStyle/>
-          <a:p>
-            <a:r>
-              <a:rPr lang="es-ES" sz="1200">
-                <a:ea typeface="+mn-lt"/>
-                <a:cs typeface="+mn-lt"/>
-              </a:rPr>
-              <a:t>HTTPS (JWT)</a:t>
-            </a:r>
-            <a:endParaRPr lang="es-ES" sz="1200"/>
-          </a:p>
-        </p:txBody>
-      </p:sp>
-      <p:pic>
-        <p:nvPicPr>
-          <p:cNvPr id="18" name="Imagen 17" descr="Persona - Iconos gratis de social">
-            <a:extLst>
-              <a:ext uri="{FF2B5EF4-FFF2-40B4-BE49-F238E27FC236}">
-                <a16:creationId xmlns:a16="http://schemas.microsoft.com/office/drawing/2014/main" id="{18E0A0C3-AEB2-5810-C804-C50864D2A62B}"/>
-              </a:ext>
-            </a:extLst>
-          </p:cNvPr>
-          <p:cNvPicPr>
-            <a:picLocks noChangeAspect="1"/>
-          </p:cNvPicPr>
-          <p:nvPr/>
-        </p:nvPicPr>
-        <p:blipFill>
-          <a:blip r:embed="rId3"/>
-          <a:stretch>
-            <a:fillRect/>
-          </a:stretch>
-        </p:blipFill>
-        <p:spPr>
-          <a:xfrm>
-            <a:off x="676275" y="4286250"/>
-            <a:ext cx="971550" cy="971550"/>
-          </a:xfrm>
-          <a:prstGeom prst="rect">
-            <a:avLst/>
-          </a:prstGeom>
-        </p:spPr>
-      </p:pic>
-      <p:sp>
-        <p:nvSpPr>
-          <p:cNvPr id="19" name="CuadroTexto 18">
-            <a:extLst>
-              <a:ext uri="{FF2B5EF4-FFF2-40B4-BE49-F238E27FC236}">
-                <a16:creationId xmlns:a16="http://schemas.microsoft.com/office/drawing/2014/main" id="{D9CE57B3-7C75-BD37-D5E8-19C59B43FB01}"/>
-              </a:ext>
-            </a:extLst>
-          </p:cNvPr>
-          <p:cNvSpPr txBox="1"/>
-          <p:nvPr/>
-        </p:nvSpPr>
-        <p:spPr>
-          <a:xfrm>
-            <a:off x="0" y="5257800"/>
-            <a:ext cx="2324100" cy="507831"/>
-          </a:xfrm>
-          <a:prstGeom prst="rect">
-            <a:avLst/>
-          </a:prstGeom>
-          <a:noFill/>
-        </p:spPr>
-        <p:txBody>
-          <a:bodyPr rot="0" spcFirstLastPara="0" vertOverflow="overflow" horzOverflow="overflow" vert="horz" wrap="square" lIns="91440" tIns="45720" rIns="91440" bIns="45720" numCol="1" spcCol="0" rtlCol="0" fromWordArt="0" anchor="t" anchorCtr="0" forceAA="0" compatLnSpc="1">
-            <a:prstTxWarp prst="textNoShape">
-              <a:avLst/>
-            </a:prstTxWarp>
-            <a:spAutoFit/>
-          </a:bodyPr>
-          <a:lstStyle/>
-          <a:p>
-            <a:pPr algn="ctr"/>
-            <a:r>
-              <a:rPr lang="es-ES" sz="1800" baseline="0">
-                <a:latin typeface="Calibri"/>
-              </a:rPr>
-              <a:t>Admin</a:t>
-            </a:r>
-            <a:endParaRPr lang="es-ES"/>
-          </a:p>
-          <a:p>
-            <a:pPr algn="ctr"/>
-            <a:r>
-              <a:rPr lang="es-ES" sz="900">
-                <a:ea typeface="Calibri"/>
-                <a:cs typeface="Calibri"/>
-              </a:rPr>
-              <a:t>(</a:t>
-            </a:r>
-            <a:r>
-              <a:rPr lang="es-ES" sz="900">
-                <a:ea typeface="+mn-lt"/>
-                <a:cs typeface="+mn-lt"/>
-              </a:rPr>
-              <a:t>Gestiona materias/actividades, revisa </a:t>
-            </a:r>
-            <a:r>
-              <a:rPr lang="es-ES" sz="900" err="1">
-                <a:ea typeface="+mn-lt"/>
-                <a:cs typeface="+mn-lt"/>
-              </a:rPr>
-              <a:t>KPIs</a:t>
-            </a:r>
-            <a:r>
-              <a:rPr lang="es-ES" sz="900">
-                <a:ea typeface="Calibri"/>
-                <a:cs typeface="Calibri"/>
-              </a:rPr>
-              <a:t>)</a:t>
-            </a:r>
-          </a:p>
-        </p:txBody>
-      </p:sp>
-      <p:cxnSp>
-        <p:nvCxnSpPr>
-          <p:cNvPr id="21" name="Conector recto de flecha 20">
-            <a:extLst>
-              <a:ext uri="{FF2B5EF4-FFF2-40B4-BE49-F238E27FC236}">
-                <a16:creationId xmlns:a16="http://schemas.microsoft.com/office/drawing/2014/main" id="{0B2FCA88-E2DF-CC20-A62D-6FD6F76C1E91}"/>
-              </a:ext>
-            </a:extLst>
-          </p:cNvPr>
-          <p:cNvCxnSpPr/>
-          <p:nvPr/>
-        </p:nvCxnSpPr>
-        <p:spPr>
-          <a:xfrm flipH="1">
-            <a:off x="2569662" y="3428739"/>
-            <a:ext cx="8612" cy="1477288"/>
-          </a:xfrm>
-          <a:prstGeom prst="straightConnector1">
-            <a:avLst/>
-          </a:prstGeom>
-        </p:spPr>
-        <p:style>
-          <a:lnRef idx="2">
-            <a:schemeClr val="dk1"/>
-          </a:lnRef>
-          <a:fillRef idx="0">
-            <a:schemeClr val="dk1"/>
-          </a:fillRef>
-          <a:effectRef idx="1">
-            <a:schemeClr val="dk1"/>
-          </a:effectRef>
-          <a:fontRef idx="minor">
-            <a:schemeClr val="tx1"/>
-          </a:fontRef>
-        </p:style>
-      </p:cxnSp>
-      <p:cxnSp>
-        <p:nvCxnSpPr>
-          <p:cNvPr id="22" name="Conector recto de flecha 21">
-            <a:extLst>
-              <a:ext uri="{FF2B5EF4-FFF2-40B4-BE49-F238E27FC236}">
-                <a16:creationId xmlns:a16="http://schemas.microsoft.com/office/drawing/2014/main" id="{394B9F70-B094-95B7-16BA-F81D959F3A41}"/>
-              </a:ext>
-            </a:extLst>
-          </p:cNvPr>
-          <p:cNvCxnSpPr/>
-          <p:nvPr/>
-        </p:nvCxnSpPr>
-        <p:spPr>
-          <a:xfrm>
-            <a:off x="1780000" y="3421954"/>
-            <a:ext cx="789661" cy="4566"/>
-          </a:xfrm>
-          <a:prstGeom prst="straightConnector1">
-            <a:avLst/>
-          </a:prstGeom>
-        </p:spPr>
-        <p:style>
-          <a:lnRef idx="2">
-            <a:schemeClr val="dk1"/>
-          </a:lnRef>
-          <a:fillRef idx="0">
-            <a:schemeClr val="dk1"/>
-          </a:fillRef>
-          <a:effectRef idx="1">
-            <a:schemeClr val="dk1"/>
-          </a:effectRef>
-          <a:fontRef idx="minor">
-            <a:schemeClr val="tx1"/>
-          </a:fontRef>
-        </p:style>
-      </p:cxnSp>
-      <p:cxnSp>
-        <p:nvCxnSpPr>
-          <p:cNvPr id="23" name="Conector recto de flecha 22">
-            <a:extLst>
-              <a:ext uri="{FF2B5EF4-FFF2-40B4-BE49-F238E27FC236}">
-                <a16:creationId xmlns:a16="http://schemas.microsoft.com/office/drawing/2014/main" id="{F7D5A5C6-3C71-73F8-7754-C1CC9E2649CF}"/>
-              </a:ext>
-            </a:extLst>
-          </p:cNvPr>
-          <p:cNvCxnSpPr>
-            <a:cxnSpLocks/>
-          </p:cNvCxnSpPr>
-          <p:nvPr/>
-        </p:nvCxnSpPr>
-        <p:spPr>
-          <a:xfrm>
-            <a:off x="1779999" y="4898328"/>
-            <a:ext cx="789661" cy="4566"/>
-          </a:xfrm>
-          <a:prstGeom prst="straightConnector1">
-            <a:avLst/>
-          </a:prstGeom>
-        </p:spPr>
-        <p:style>
-          <a:lnRef idx="2">
-            <a:schemeClr val="dk1"/>
-          </a:lnRef>
-          <a:fillRef idx="0">
-            <a:schemeClr val="dk1"/>
-          </a:fillRef>
-          <a:effectRef idx="1">
-            <a:schemeClr val="dk1"/>
-          </a:effectRef>
-          <a:fontRef idx="minor">
-            <a:schemeClr val="tx1"/>
-          </a:fontRef>
-        </p:style>
-      </p:cxnSp>
-      <p:sp>
-        <p:nvSpPr>
-          <p:cNvPr id="24" name="CuadroTexto 23">
-            <a:extLst>
-              <a:ext uri="{FF2B5EF4-FFF2-40B4-BE49-F238E27FC236}">
-                <a16:creationId xmlns:a16="http://schemas.microsoft.com/office/drawing/2014/main" id="{FB68BE9B-0785-38F0-8502-3358BC475815}"/>
-              </a:ext>
-            </a:extLst>
-          </p:cNvPr>
-          <p:cNvSpPr txBox="1"/>
-          <p:nvPr/>
-        </p:nvSpPr>
-        <p:spPr>
-          <a:xfrm>
-            <a:off x="2318358" y="4076308"/>
-            <a:ext cx="609600" cy="276999"/>
-          </a:xfrm>
-          <a:prstGeom prst="rect">
-            <a:avLst/>
-          </a:prstGeom>
-          <a:solidFill>
-            <a:schemeClr val="bg1"/>
-          </a:solidFill>
-        </p:spPr>
-        <p:txBody>
-          <a:bodyPr rot="0" spcFirstLastPara="0" vertOverflow="overflow" horzOverflow="overflow" vert="horz" wrap="square" lIns="91440" tIns="45720" rIns="91440" bIns="45720" numCol="1" spcCol="0" rtlCol="0" fromWordArt="0" anchor="t" anchorCtr="0" forceAA="0" compatLnSpc="1">
-            <a:prstTxWarp prst="textNoShape">
-              <a:avLst/>
-            </a:prstTxWarp>
-            <a:spAutoFit/>
-          </a:bodyPr>
-          <a:lstStyle/>
-          <a:p>
-            <a:r>
-              <a:rPr lang="es-ES" sz="1200">
-                <a:ea typeface="+mn-lt"/>
-                <a:cs typeface="+mn-lt"/>
-              </a:rPr>
-              <a:t>HTTPS</a:t>
-            </a:r>
-            <a:endParaRPr lang="es-ES" sz="1200"/>
-          </a:p>
-        </p:txBody>
-      </p:sp>
-      <p:sp>
-        <p:nvSpPr>
-          <p:cNvPr id="25" name="CuadroTexto 24">
-            <a:extLst>
-              <a:ext uri="{FF2B5EF4-FFF2-40B4-BE49-F238E27FC236}">
-                <a16:creationId xmlns:a16="http://schemas.microsoft.com/office/drawing/2014/main" id="{640DC361-1119-02F0-44B1-9B19880CE470}"/>
-              </a:ext>
-            </a:extLst>
-          </p:cNvPr>
-          <p:cNvSpPr txBox="1"/>
-          <p:nvPr/>
-        </p:nvSpPr>
-        <p:spPr>
-          <a:xfrm>
-            <a:off x="4124325" y="2320838"/>
-            <a:ext cx="1676400" cy="286524"/>
-          </a:xfrm>
-          <a:prstGeom prst="rect">
-            <a:avLst/>
-          </a:prstGeom>
-          <a:noFill/>
-        </p:spPr>
-        <p:txBody>
-          <a:bodyPr rot="0" spcFirstLastPara="0" vertOverflow="overflow" horzOverflow="overflow" vert="horz" wrap="square" lIns="91440" tIns="45720" rIns="91440" bIns="45720" numCol="1" spcCol="0" rtlCol="0" fromWordArt="0" anchor="t" anchorCtr="0" forceAA="0" compatLnSpc="1">
-            <a:prstTxWarp prst="textNoShape">
-              <a:avLst/>
-            </a:prstTxWarp>
-            <a:spAutoFit/>
-          </a:bodyPr>
-          <a:lstStyle/>
-          <a:p>
-            <a:pPr algn="ctr"/>
-            <a:r>
-              <a:rPr lang="en-US" sz="1200"/>
-              <a:t>Web App</a:t>
-            </a:r>
-          </a:p>
-        </p:txBody>
-      </p:sp>
-      <p:sp>
-        <p:nvSpPr>
-          <p:cNvPr id="27" name="CuadroTexto 26">
-            <a:extLst>
-              <a:ext uri="{FF2B5EF4-FFF2-40B4-BE49-F238E27FC236}">
-                <a16:creationId xmlns:a16="http://schemas.microsoft.com/office/drawing/2014/main" id="{0150EC53-1FEC-EAFB-CEF0-0812C386F265}"/>
-              </a:ext>
-            </a:extLst>
-          </p:cNvPr>
-          <p:cNvSpPr txBox="1"/>
-          <p:nvPr/>
-        </p:nvSpPr>
-        <p:spPr>
-          <a:xfrm>
-            <a:off x="7172324" y="2428874"/>
-            <a:ext cx="2181225" cy="276999"/>
-          </a:xfrm>
-          <a:prstGeom prst="rect">
-            <a:avLst/>
-          </a:prstGeom>
-          <a:noFill/>
-        </p:spPr>
-        <p:txBody>
-          <a:bodyPr rot="0" spcFirstLastPara="0" vertOverflow="overflow" horzOverflow="overflow" vert="horz" wrap="square" lIns="91440" tIns="45720" rIns="91440" bIns="45720" numCol="1" spcCol="0" rtlCol="0" fromWordArt="0" anchor="t" anchorCtr="0" forceAA="0" compatLnSpc="1">
-            <a:prstTxWarp prst="textNoShape">
-              <a:avLst/>
-            </a:prstTxWarp>
-            <a:spAutoFit/>
-          </a:bodyPr>
-          <a:lstStyle/>
-          <a:p>
-            <a:pPr algn="ctr"/>
-            <a:r>
-              <a:rPr lang="en-US" sz="1200">
-                <a:ea typeface="+mn-lt"/>
-                <a:cs typeface="+mn-lt"/>
-              </a:rPr>
-              <a:t>API Backend</a:t>
-            </a:r>
-            <a:endParaRPr lang="es-ES"/>
-          </a:p>
-        </p:txBody>
-      </p:sp>
-      <p:sp>
-        <p:nvSpPr>
-          <p:cNvPr id="28" name="CuadroTexto 27">
-            <a:extLst>
-              <a:ext uri="{FF2B5EF4-FFF2-40B4-BE49-F238E27FC236}">
-                <a16:creationId xmlns:a16="http://schemas.microsoft.com/office/drawing/2014/main" id="{B2E81451-AA94-69BA-6BAD-42F3E72001A3}"/>
-              </a:ext>
-            </a:extLst>
-          </p:cNvPr>
-          <p:cNvSpPr txBox="1"/>
-          <p:nvPr/>
-        </p:nvSpPr>
-        <p:spPr>
-          <a:xfrm>
-            <a:off x="7172324" y="2705099"/>
-            <a:ext cx="2181225" cy="276999"/>
-          </a:xfrm>
-          <a:prstGeom prst="rect">
-            <a:avLst/>
-          </a:prstGeom>
-          <a:noFill/>
-        </p:spPr>
-        <p:txBody>
-          <a:bodyPr rot="0" spcFirstLastPara="0" vertOverflow="overflow" horzOverflow="overflow" vert="horz" wrap="square" lIns="91440" tIns="45720" rIns="91440" bIns="45720" numCol="1" spcCol="0" rtlCol="0" fromWordArt="0" anchor="t" anchorCtr="0" forceAA="0" compatLnSpc="1">
-            <a:prstTxWarp prst="textNoShape">
-              <a:avLst/>
-            </a:prstTxWarp>
-            <a:spAutoFit/>
-          </a:bodyPr>
-          <a:lstStyle/>
-          <a:p>
-            <a:pPr algn="ctr"/>
-            <a:r>
-              <a:rPr lang="en-US" sz="1200">
-                <a:solidFill>
-                  <a:srgbClr val="595959"/>
-                </a:solidFill>
-                <a:ea typeface="+mn-lt"/>
-                <a:cs typeface="+mn-lt"/>
-              </a:rPr>
-              <a:t>Controllers · Services · Repos</a:t>
-            </a:r>
-            <a:endParaRPr lang="es-ES">
-              <a:solidFill>
-                <a:srgbClr val="595959"/>
-              </a:solidFill>
-            </a:endParaRPr>
-          </a:p>
-        </p:txBody>
-      </p:sp>
-      <p:sp>
-        <p:nvSpPr>
-          <p:cNvPr id="29" name="CuadroTexto 28">
-            <a:extLst>
-              <a:ext uri="{FF2B5EF4-FFF2-40B4-BE49-F238E27FC236}">
-                <a16:creationId xmlns:a16="http://schemas.microsoft.com/office/drawing/2014/main" id="{A553399F-EA9F-86BC-AC3F-0468AA31BC24}"/>
-              </a:ext>
-            </a:extLst>
-          </p:cNvPr>
-          <p:cNvSpPr txBox="1"/>
-          <p:nvPr/>
-        </p:nvSpPr>
-        <p:spPr>
-          <a:xfrm>
-            <a:off x="7172324" y="2981324"/>
-            <a:ext cx="2181225" cy="276999"/>
-          </a:xfrm>
-          <a:prstGeom prst="rect">
-            <a:avLst/>
-          </a:prstGeom>
-          <a:noFill/>
-        </p:spPr>
-        <p:txBody>
-          <a:bodyPr rot="0" spcFirstLastPara="0" vertOverflow="overflow" horzOverflow="overflow" vert="horz" wrap="square" lIns="91440" tIns="45720" rIns="91440" bIns="45720" numCol="1" spcCol="0" rtlCol="0" fromWordArt="0" anchor="t" anchorCtr="0" forceAA="0" compatLnSpc="1">
-            <a:prstTxWarp prst="textNoShape">
-              <a:avLst/>
-            </a:prstTxWarp>
-            <a:spAutoFit/>
-          </a:bodyPr>
-          <a:lstStyle/>
-          <a:p>
-            <a:pPr algn="ctr"/>
-            <a:r>
-              <a:rPr lang="en-US" sz="1200">
-                <a:ea typeface="+mn-lt"/>
-                <a:cs typeface="+mn-lt"/>
-              </a:rPr>
-              <a:t>(Reglas: XP / rachas) </a:t>
-            </a:r>
-            <a:endParaRPr lang="es-ES"/>
-          </a:p>
-        </p:txBody>
-      </p:sp>
-      <p:pic>
-        <p:nvPicPr>
-          <p:cNvPr id="31" name="Imagen 30" descr="Icono&#10;&#10;El contenido generado por IA puede ser incorrecto.">
-            <a:extLst>
-              <a:ext uri="{FF2B5EF4-FFF2-40B4-BE49-F238E27FC236}">
-                <a16:creationId xmlns:a16="http://schemas.microsoft.com/office/drawing/2014/main" id="{775DF133-FBF2-A0D3-61FD-925D11BC6CB0}"/>
-              </a:ext>
-            </a:extLst>
-          </p:cNvPr>
-          <p:cNvPicPr>
-            <a:picLocks noChangeAspect="1"/>
-          </p:cNvPicPr>
-          <p:nvPr/>
-        </p:nvPicPr>
-        <p:blipFill>
-          <a:blip r:embed="rId4"/>
-          <a:stretch>
-            <a:fillRect/>
-          </a:stretch>
-        </p:blipFill>
-        <p:spPr>
-          <a:xfrm>
-            <a:off x="9352168" y="2430873"/>
-            <a:ext cx="1156827" cy="792726"/>
-          </a:xfrm>
-          <a:prstGeom prst="rect">
-            <a:avLst/>
-          </a:prstGeom>
-        </p:spPr>
-      </p:pic>
-      <p:pic>
-        <p:nvPicPr>
-          <p:cNvPr id="34" name="Imagen 33" descr="Imagen que contiene dibujo&#10;&#10;El contenido generado por IA puede ser incorrecto.">
-            <a:extLst>
-              <a:ext uri="{FF2B5EF4-FFF2-40B4-BE49-F238E27FC236}">
-                <a16:creationId xmlns:a16="http://schemas.microsoft.com/office/drawing/2014/main" id="{9DE65029-6B1C-E513-90A9-B896C249841F}"/>
-              </a:ext>
-            </a:extLst>
-          </p:cNvPr>
-          <p:cNvPicPr>
-            <a:picLocks noChangeAspect="1"/>
-          </p:cNvPicPr>
-          <p:nvPr/>
-        </p:nvPicPr>
-        <p:blipFill>
-          <a:blip r:embed="rId5"/>
-          <a:stretch>
-            <a:fillRect/>
-          </a:stretch>
-        </p:blipFill>
-        <p:spPr>
-          <a:xfrm>
-            <a:off x="4236707" y="2872916"/>
-            <a:ext cx="370511" cy="372362"/>
-          </a:xfrm>
-          <a:prstGeom prst="rect">
-            <a:avLst/>
-          </a:prstGeom>
-        </p:spPr>
-      </p:pic>
-      <p:pic>
-        <p:nvPicPr>
-          <p:cNvPr id="36" name="Imagen 35" descr="Imagen que contiene texto, dibujo, señal&#10;&#10;El contenido generado por IA puede ser incorrecto.">
-            <a:extLst>
-              <a:ext uri="{FF2B5EF4-FFF2-40B4-BE49-F238E27FC236}">
-                <a16:creationId xmlns:a16="http://schemas.microsoft.com/office/drawing/2014/main" id="{61DFE50D-0851-E078-785E-1523DEF4D99B}"/>
-              </a:ext>
-            </a:extLst>
-          </p:cNvPr>
-          <p:cNvPicPr>
-            <a:picLocks noChangeAspect="1"/>
-          </p:cNvPicPr>
-          <p:nvPr/>
-        </p:nvPicPr>
-        <p:blipFill>
-          <a:blip r:embed="rId6"/>
-          <a:stretch>
-            <a:fillRect/>
-          </a:stretch>
-        </p:blipFill>
-        <p:spPr>
-          <a:xfrm>
-            <a:off x="4771335" y="2846599"/>
-            <a:ext cx="389056" cy="381358"/>
-          </a:xfrm>
-          <a:prstGeom prst="rect">
-            <a:avLst/>
-          </a:prstGeom>
-        </p:spPr>
-      </p:pic>
-      <p:pic>
-        <p:nvPicPr>
-          <p:cNvPr id="38" name="Imagen 37" descr="Icono&#10;&#10;El contenido generado por IA puede ser incorrecto.">
-            <a:extLst>
-              <a:ext uri="{FF2B5EF4-FFF2-40B4-BE49-F238E27FC236}">
-                <a16:creationId xmlns:a16="http://schemas.microsoft.com/office/drawing/2014/main" id="{1956D223-1B2B-E9E3-5987-8354F1E04C48}"/>
-              </a:ext>
-            </a:extLst>
-          </p:cNvPr>
-          <p:cNvPicPr>
-            <a:picLocks noChangeAspect="1"/>
-          </p:cNvPicPr>
-          <p:nvPr/>
-        </p:nvPicPr>
-        <p:blipFill>
-          <a:blip r:embed="rId7"/>
-          <a:stretch>
-            <a:fillRect/>
-          </a:stretch>
-        </p:blipFill>
-        <p:spPr>
-          <a:xfrm>
-            <a:off x="5255480" y="2789443"/>
-            <a:ext cx="456405" cy="480221"/>
-          </a:xfrm>
-          <a:prstGeom prst="rect">
-            <a:avLst/>
-          </a:prstGeom>
-        </p:spPr>
-      </p:pic>
-      <p:pic>
-        <p:nvPicPr>
-          <p:cNvPr id="39" name="Imagen 38" descr="What is MongoDB? NoSQL database explained in an easy way.">
-            <a:extLst>
-              <a:ext uri="{FF2B5EF4-FFF2-40B4-BE49-F238E27FC236}">
-                <a16:creationId xmlns:a16="http://schemas.microsoft.com/office/drawing/2014/main" id="{39EADBE0-C3D2-715F-CFFB-7EAED29F2491}"/>
-              </a:ext>
-            </a:extLst>
-          </p:cNvPr>
-          <p:cNvPicPr>
-            <a:picLocks noChangeAspect="1"/>
-          </p:cNvPicPr>
-          <p:nvPr/>
-        </p:nvPicPr>
-        <p:blipFill>
-          <a:blip r:embed="rId8"/>
-          <a:stretch>
-            <a:fillRect/>
-          </a:stretch>
-        </p:blipFill>
-        <p:spPr>
-          <a:xfrm>
-            <a:off x="8617059" y="4164643"/>
-            <a:ext cx="646787" cy="825152"/>
-          </a:xfrm>
-          <a:prstGeom prst="rect">
-            <a:avLst/>
-          </a:prstGeom>
-        </p:spPr>
-      </p:pic>
-      <p:cxnSp>
-        <p:nvCxnSpPr>
-          <p:cNvPr id="41" name="Conector recto de flecha 40">
-            <a:extLst>
-              <a:ext uri="{FF2B5EF4-FFF2-40B4-BE49-F238E27FC236}">
-                <a16:creationId xmlns:a16="http://schemas.microsoft.com/office/drawing/2014/main" id="{C5D1C0D9-6BED-1754-538F-A2FA12905F5C}"/>
-              </a:ext>
-            </a:extLst>
-          </p:cNvPr>
-          <p:cNvCxnSpPr>
-            <a:cxnSpLocks/>
-          </p:cNvCxnSpPr>
-          <p:nvPr/>
-        </p:nvCxnSpPr>
-        <p:spPr>
-          <a:xfrm>
-            <a:off x="8933142" y="3368064"/>
-            <a:ext cx="13963" cy="703543"/>
-          </a:xfrm>
-          <a:prstGeom prst="straightConnector1">
-            <a:avLst/>
-          </a:prstGeom>
-          <a:ln>
-            <a:tailEnd type="triangle"/>
-          </a:ln>
-        </p:spPr>
-        <p:style>
-          <a:lnRef idx="2">
-            <a:schemeClr val="dk1"/>
-          </a:lnRef>
-          <a:fillRef idx="0">
-            <a:schemeClr val="dk1"/>
-          </a:fillRef>
-          <a:effectRef idx="1">
-            <a:schemeClr val="dk1"/>
-          </a:effectRef>
-          <a:fontRef idx="minor">
-            <a:schemeClr val="tx1"/>
-          </a:fontRef>
-        </p:style>
-      </p:cxnSp>
-      <p:sp>
-        <p:nvSpPr>
-          <p:cNvPr id="43" name="CuadroTexto 42">
-            <a:extLst>
-              <a:ext uri="{FF2B5EF4-FFF2-40B4-BE49-F238E27FC236}">
-                <a16:creationId xmlns:a16="http://schemas.microsoft.com/office/drawing/2014/main" id="{EEFD5D5E-FB0A-3093-64FA-17F5A3913CA4}"/>
-              </a:ext>
-            </a:extLst>
-          </p:cNvPr>
-          <p:cNvSpPr txBox="1"/>
-          <p:nvPr/>
-        </p:nvSpPr>
-        <p:spPr>
-          <a:xfrm>
-            <a:off x="9374816" y="4286899"/>
-            <a:ext cx="1941143" cy="461665"/>
-          </a:xfrm>
-          <a:prstGeom prst="rect">
-            <a:avLst/>
-          </a:prstGeom>
-          <a:noFill/>
-        </p:spPr>
-        <p:txBody>
-          <a:bodyPr rot="0" spcFirstLastPara="0" vertOverflow="overflow" horzOverflow="overflow" vert="horz" wrap="square" lIns="91440" tIns="45720" rIns="91440" bIns="45720" numCol="1" spcCol="0" rtlCol="0" fromWordArt="0" anchor="t" anchorCtr="0" forceAA="0" compatLnSpc="1">
-            <a:prstTxWarp prst="textNoShape">
-              <a:avLst/>
-            </a:prstTxWarp>
-            <a:spAutoFit/>
-          </a:bodyPr>
-          <a:lstStyle/>
-          <a:p>
-            <a:pPr algn="ctr"/>
-            <a:r>
-              <a:rPr lang="en-US" sz="1200">
-                <a:ea typeface="+mn-lt"/>
-                <a:cs typeface="+mn-lt"/>
-              </a:rPr>
-              <a:t>Users · Subjects · Activities</a:t>
-            </a:r>
-          </a:p>
-          <a:p>
-            <a:pPr algn="ctr"/>
-            <a:r>
-              <a:rPr lang="en-US" sz="1200" err="1">
-                <a:ea typeface="+mn-lt"/>
-                <a:cs typeface="+mn-lt"/>
-              </a:rPr>
-              <a:t>ActivityAttempts</a:t>
-            </a:r>
-            <a:r>
-              <a:rPr lang="en-US" sz="1200">
-                <a:ea typeface="+mn-lt"/>
-                <a:cs typeface="+mn-lt"/>
-              </a:rPr>
-              <a:t> · </a:t>
-            </a:r>
-            <a:r>
-              <a:rPr lang="en-US" sz="1200" err="1">
-                <a:ea typeface="+mn-lt"/>
-                <a:cs typeface="+mn-lt"/>
-              </a:rPr>
-              <a:t>XpEvents</a:t>
-            </a:r>
-            <a:endParaRPr lang="en-US" err="1"/>
-          </a:p>
-        </p:txBody>
-      </p:sp>
-      <p:sp>
-        <p:nvSpPr>
-          <p:cNvPr id="44" name="CuadroTexto 43">
-            <a:extLst>
-              <a:ext uri="{FF2B5EF4-FFF2-40B4-BE49-F238E27FC236}">
-                <a16:creationId xmlns:a16="http://schemas.microsoft.com/office/drawing/2014/main" id="{43F0E367-CB63-CAE5-576F-D3EB77D2BB54}"/>
-              </a:ext>
-            </a:extLst>
-          </p:cNvPr>
-          <p:cNvSpPr txBox="1"/>
-          <p:nvPr/>
-        </p:nvSpPr>
-        <p:spPr>
-          <a:xfrm>
-            <a:off x="4124323" y="4985487"/>
-            <a:ext cx="1085198" cy="276999"/>
-          </a:xfrm>
-          <a:prstGeom prst="rect">
-            <a:avLst/>
-          </a:prstGeom>
-          <a:noFill/>
-          <a:ln>
-            <a:noFill/>
-          </a:ln>
-        </p:spPr>
-        <p:txBody>
-          <a:bodyPr rot="0" spcFirstLastPara="0" vertOverflow="overflow" horzOverflow="overflow" vert="horz" wrap="square" lIns="91440" tIns="45720" rIns="91440" bIns="45720" numCol="1" spcCol="0" rtlCol="0" fromWordArt="0" anchor="t" anchorCtr="0" forceAA="0" compatLnSpc="1">
-            <a:prstTxWarp prst="textNoShape">
-              <a:avLst/>
-            </a:prstTxWarp>
-            <a:spAutoFit/>
-          </a:bodyPr>
-          <a:lstStyle/>
-          <a:p>
-            <a:pPr algn="ctr"/>
-            <a:r>
-              <a:rPr lang="en-US" sz="1200">
-                <a:ea typeface="+mn-lt"/>
-                <a:cs typeface="+mn-lt"/>
-              </a:rPr>
-              <a:t>SMTP</a:t>
-            </a:r>
-            <a:endParaRPr lang="es-ES"/>
-          </a:p>
-        </p:txBody>
-      </p:sp>
-      <p:sp>
-        <p:nvSpPr>
-          <p:cNvPr id="45" name="CuadroTexto 44">
-            <a:extLst>
-              <a:ext uri="{FF2B5EF4-FFF2-40B4-BE49-F238E27FC236}">
-                <a16:creationId xmlns:a16="http://schemas.microsoft.com/office/drawing/2014/main" id="{8F846CC6-E7EF-BF4B-D99C-6D6311003729}"/>
-              </a:ext>
-            </a:extLst>
-          </p:cNvPr>
-          <p:cNvSpPr txBox="1"/>
-          <p:nvPr/>
-        </p:nvSpPr>
-        <p:spPr>
-          <a:xfrm>
-            <a:off x="4124323" y="5476090"/>
-            <a:ext cx="1085198" cy="276999"/>
-          </a:xfrm>
-          <a:prstGeom prst="rect">
-            <a:avLst/>
-          </a:prstGeom>
-          <a:noFill/>
-          <a:ln>
-            <a:noFill/>
-          </a:ln>
-        </p:spPr>
-        <p:txBody>
-          <a:bodyPr rot="0" spcFirstLastPara="0" vertOverflow="overflow" horzOverflow="overflow" vert="horz" wrap="square" lIns="91440" tIns="45720" rIns="91440" bIns="45720" numCol="1" spcCol="0" rtlCol="0" fromWordArt="0" anchor="t" anchorCtr="0" forceAA="0" compatLnSpc="1">
-            <a:prstTxWarp prst="textNoShape">
-              <a:avLst/>
-            </a:prstTxWarp>
-            <a:spAutoFit/>
-          </a:bodyPr>
-          <a:lstStyle/>
-          <a:p>
-            <a:pPr algn="ctr"/>
-            <a:r>
-              <a:rPr lang="en-US" sz="1200">
-                <a:ea typeface="+mn-lt"/>
-                <a:cs typeface="+mn-lt"/>
-              </a:rPr>
-              <a:t>HTTP/S3</a:t>
-            </a:r>
-            <a:endParaRPr lang="es-ES"/>
-          </a:p>
-        </p:txBody>
-      </p:sp>
-      <p:sp>
-        <p:nvSpPr>
-          <p:cNvPr id="47" name="CuadroTexto 46">
-            <a:extLst>
-              <a:ext uri="{FF2B5EF4-FFF2-40B4-BE49-F238E27FC236}">
-                <a16:creationId xmlns:a16="http://schemas.microsoft.com/office/drawing/2014/main" id="{E235C922-C3AB-DBB4-FF91-7C54AB4825BA}"/>
-              </a:ext>
-            </a:extLst>
-          </p:cNvPr>
-          <p:cNvSpPr txBox="1"/>
-          <p:nvPr/>
-        </p:nvSpPr>
-        <p:spPr>
-          <a:xfrm>
-            <a:off x="4124323" y="5987569"/>
-            <a:ext cx="1085198" cy="276999"/>
-          </a:xfrm>
-          <a:prstGeom prst="rect">
-            <a:avLst/>
-          </a:prstGeom>
-          <a:noFill/>
-          <a:ln>
-            <a:noFill/>
-          </a:ln>
-        </p:spPr>
-        <p:txBody>
-          <a:bodyPr rot="0" spcFirstLastPara="0" vertOverflow="overflow" horzOverflow="overflow" vert="horz" wrap="square" lIns="91440" tIns="45720" rIns="91440" bIns="45720" numCol="1" spcCol="0" rtlCol="0" fromWordArt="0" anchor="t" anchorCtr="0" forceAA="0" compatLnSpc="1">
-            <a:prstTxWarp prst="textNoShape">
-              <a:avLst/>
-            </a:prstTxWarp>
-            <a:spAutoFit/>
-          </a:bodyPr>
-          <a:lstStyle/>
-          <a:p>
-            <a:pPr algn="ctr"/>
-            <a:r>
-              <a:rPr lang="en-US" sz="1200" err="1">
-                <a:ea typeface="+mn-lt"/>
-                <a:cs typeface="+mn-lt"/>
-              </a:rPr>
-              <a:t>Eventos</a:t>
-            </a:r>
-            <a:endParaRPr lang="es-ES" err="1"/>
-          </a:p>
-        </p:txBody>
-      </p:sp>
-      <p:sp>
-        <p:nvSpPr>
-          <p:cNvPr id="48" name="CuadroTexto 47">
-            <a:extLst>
-              <a:ext uri="{FF2B5EF4-FFF2-40B4-BE49-F238E27FC236}">
-                <a16:creationId xmlns:a16="http://schemas.microsoft.com/office/drawing/2014/main" id="{0655B27A-CFC8-1F51-2767-429AA4428C1F}"/>
-              </a:ext>
-            </a:extLst>
-          </p:cNvPr>
-          <p:cNvSpPr txBox="1"/>
-          <p:nvPr/>
-        </p:nvSpPr>
-        <p:spPr>
-          <a:xfrm>
-            <a:off x="6097172" y="4985486"/>
-            <a:ext cx="1878512" cy="276999"/>
-          </a:xfrm>
-          <a:prstGeom prst="rect">
-            <a:avLst/>
-          </a:prstGeom>
-          <a:solidFill>
-            <a:srgbClr val="C2EFFF"/>
-          </a:solidFill>
-          <a:ln>
-            <a:solidFill>
-              <a:schemeClr val="tx1">
-                <a:lumMod val="65000"/>
-                <a:lumOff val="35000"/>
-              </a:schemeClr>
-            </a:solidFill>
-          </a:ln>
-        </p:spPr>
-        <p:txBody>
-          <a:bodyPr rot="0" spcFirstLastPara="0" vertOverflow="overflow" horzOverflow="overflow" vert="horz" wrap="square" lIns="91440" tIns="45720" rIns="91440" bIns="45720" numCol="1" spcCol="0" rtlCol="0" fromWordArt="0" anchor="t" anchorCtr="0" forceAA="0" compatLnSpc="1">
-            <a:prstTxWarp prst="textNoShape">
-              <a:avLst/>
-            </a:prstTxWarp>
-            <a:spAutoFit/>
-          </a:bodyPr>
-          <a:lstStyle/>
-          <a:p>
-            <a:pPr algn="ctr"/>
-            <a:r>
-              <a:rPr lang="en-US" sz="1200">
-                <a:ea typeface="+mn-lt"/>
-                <a:cs typeface="+mn-lt"/>
-              </a:rPr>
-              <a:t>Email / </a:t>
-            </a:r>
-            <a:r>
-              <a:rPr lang="en-US" sz="1200" err="1">
-                <a:ea typeface="+mn-lt"/>
-                <a:cs typeface="+mn-lt"/>
-              </a:rPr>
-              <a:t>Nodemailer</a:t>
-            </a:r>
-            <a:endParaRPr lang="es-ES" err="1"/>
-          </a:p>
-        </p:txBody>
-      </p:sp>
-      <p:sp>
-        <p:nvSpPr>
-          <p:cNvPr id="49" name="CuadroTexto 48">
-            <a:extLst>
-              <a:ext uri="{FF2B5EF4-FFF2-40B4-BE49-F238E27FC236}">
-                <a16:creationId xmlns:a16="http://schemas.microsoft.com/office/drawing/2014/main" id="{FA0E71F1-63C9-03D1-F31B-FA27FE77875E}"/>
-              </a:ext>
-            </a:extLst>
-          </p:cNvPr>
-          <p:cNvSpPr txBox="1"/>
-          <p:nvPr/>
-        </p:nvSpPr>
-        <p:spPr>
-          <a:xfrm>
-            <a:off x="6097171" y="5476089"/>
-            <a:ext cx="1878513" cy="287437"/>
-          </a:xfrm>
-          <a:prstGeom prst="rect">
-            <a:avLst/>
-          </a:prstGeom>
-          <a:solidFill>
-            <a:srgbClr val="C2EFFF"/>
-          </a:solidFill>
-          <a:ln>
-            <a:solidFill>
-              <a:schemeClr val="tx1">
-                <a:lumMod val="65000"/>
-                <a:lumOff val="35000"/>
-              </a:schemeClr>
-            </a:solidFill>
-          </a:ln>
-        </p:spPr>
-        <p:txBody>
-          <a:bodyPr rot="0" spcFirstLastPara="0" vertOverflow="overflow" horzOverflow="overflow" vert="horz" wrap="square" lIns="91440" tIns="45720" rIns="91440" bIns="45720" numCol="1" spcCol="0" rtlCol="0" fromWordArt="0" anchor="t" anchorCtr="0" forceAA="0" compatLnSpc="1">
-            <a:prstTxWarp prst="textNoShape">
-              <a:avLst/>
-            </a:prstTxWarp>
-            <a:spAutoFit/>
-          </a:bodyPr>
-          <a:lstStyle/>
-          <a:p>
-            <a:pPr algn="ctr"/>
-            <a:r>
-              <a:rPr lang="en-US" sz="1200" err="1">
-                <a:ea typeface="+mn-lt"/>
-                <a:cs typeface="+mn-lt"/>
-              </a:rPr>
-              <a:t>Almacenamiento</a:t>
-            </a:r>
-            <a:r>
-              <a:rPr lang="en-US" sz="1200">
-                <a:ea typeface="+mn-lt"/>
-                <a:cs typeface="+mn-lt"/>
-              </a:rPr>
-              <a:t> </a:t>
-            </a:r>
-            <a:r>
-              <a:rPr lang="en-US" sz="1200" err="1">
-                <a:ea typeface="+mn-lt"/>
-                <a:cs typeface="+mn-lt"/>
-              </a:rPr>
-              <a:t>archivos</a:t>
-            </a:r>
-            <a:endParaRPr lang="es-ES" err="1"/>
-          </a:p>
-        </p:txBody>
-      </p:sp>
-      <p:sp>
-        <p:nvSpPr>
-          <p:cNvPr id="50" name="CuadroTexto 49">
-            <a:extLst>
-              <a:ext uri="{FF2B5EF4-FFF2-40B4-BE49-F238E27FC236}">
-                <a16:creationId xmlns:a16="http://schemas.microsoft.com/office/drawing/2014/main" id="{F1255A91-131A-1439-85C8-23566B93F77F}"/>
-              </a:ext>
-            </a:extLst>
-          </p:cNvPr>
-          <p:cNvSpPr txBox="1"/>
-          <p:nvPr/>
-        </p:nvSpPr>
-        <p:spPr>
-          <a:xfrm>
-            <a:off x="6097172" y="5987568"/>
-            <a:ext cx="1878512" cy="276999"/>
-          </a:xfrm>
-          <a:prstGeom prst="rect">
-            <a:avLst/>
-          </a:prstGeom>
-          <a:solidFill>
-            <a:srgbClr val="C2EFFF"/>
-          </a:solidFill>
-          <a:ln>
-            <a:solidFill>
-              <a:schemeClr val="tx1">
-                <a:lumMod val="65000"/>
-                <a:lumOff val="35000"/>
-              </a:schemeClr>
-            </a:solidFill>
-          </a:ln>
-        </p:spPr>
-        <p:txBody>
-          <a:bodyPr rot="0" spcFirstLastPara="0" vertOverflow="overflow" horzOverflow="overflow" vert="horz" wrap="square" lIns="91440" tIns="45720" rIns="91440" bIns="45720" numCol="1" spcCol="0" rtlCol="0" fromWordArt="0" anchor="t" anchorCtr="0" forceAA="0" compatLnSpc="1">
-            <a:prstTxWarp prst="textNoShape">
-              <a:avLst/>
-            </a:prstTxWarp>
-            <a:spAutoFit/>
-          </a:bodyPr>
-          <a:lstStyle/>
-          <a:p>
-            <a:pPr algn="ctr"/>
-            <a:r>
-              <a:rPr lang="en-US" sz="1200" err="1">
-                <a:ea typeface="+mn-lt"/>
-                <a:cs typeface="+mn-lt"/>
-              </a:rPr>
-              <a:t>Telemetría</a:t>
-            </a:r>
-            <a:r>
-              <a:rPr lang="en-US" sz="1200">
-                <a:ea typeface="+mn-lt"/>
-                <a:cs typeface="+mn-lt"/>
-              </a:rPr>
-              <a:t> / Logs</a:t>
-            </a:r>
-            <a:endParaRPr lang="es-ES"/>
-          </a:p>
-        </p:txBody>
-      </p:sp>
-      <p:cxnSp>
-        <p:nvCxnSpPr>
-          <p:cNvPr id="51" name="Conector recto de flecha 50">
-            <a:extLst>
-              <a:ext uri="{FF2B5EF4-FFF2-40B4-BE49-F238E27FC236}">
-                <a16:creationId xmlns:a16="http://schemas.microsoft.com/office/drawing/2014/main" id="{04310E83-76B2-2BC9-847A-AB0681997844}"/>
-              </a:ext>
-            </a:extLst>
-          </p:cNvPr>
-          <p:cNvCxnSpPr>
-            <a:cxnSpLocks/>
-          </p:cNvCxnSpPr>
-          <p:nvPr/>
-        </p:nvCxnSpPr>
-        <p:spPr>
-          <a:xfrm flipH="1">
-            <a:off x="5084914" y="5121708"/>
-            <a:ext cx="1008996" cy="4175"/>
-          </a:xfrm>
-          <a:prstGeom prst="straightConnector1">
-            <a:avLst/>
-          </a:prstGeom>
-          <a:ln>
-            <a:tailEnd type="triangle"/>
-          </a:ln>
-        </p:spPr>
-        <p:style>
-          <a:lnRef idx="2">
-            <a:schemeClr val="dk1"/>
-          </a:lnRef>
-          <a:fillRef idx="0">
-            <a:schemeClr val="dk1"/>
-          </a:fillRef>
-          <a:effectRef idx="1">
-            <a:schemeClr val="dk1"/>
-          </a:effectRef>
-          <a:fontRef idx="minor">
-            <a:schemeClr val="tx1"/>
-          </a:fontRef>
-        </p:style>
-      </p:cxnSp>
-      <p:cxnSp>
-        <p:nvCxnSpPr>
-          <p:cNvPr id="52" name="Conector recto de flecha 51">
-            <a:extLst>
-              <a:ext uri="{FF2B5EF4-FFF2-40B4-BE49-F238E27FC236}">
-                <a16:creationId xmlns:a16="http://schemas.microsoft.com/office/drawing/2014/main" id="{087A96F3-B7A5-1A81-9103-A1E9BBEDD2FA}"/>
-              </a:ext>
-            </a:extLst>
-          </p:cNvPr>
-          <p:cNvCxnSpPr>
-            <a:cxnSpLocks/>
-          </p:cNvCxnSpPr>
-          <p:nvPr/>
-        </p:nvCxnSpPr>
-        <p:spPr>
-          <a:xfrm flipH="1">
-            <a:off x="5084913" y="5612310"/>
-            <a:ext cx="1008996" cy="4175"/>
-          </a:xfrm>
-          <a:prstGeom prst="straightConnector1">
-            <a:avLst/>
-          </a:prstGeom>
-          <a:ln>
-            <a:tailEnd type="triangle"/>
-          </a:ln>
-        </p:spPr>
-        <p:style>
-          <a:lnRef idx="2">
-            <a:schemeClr val="dk1"/>
-          </a:lnRef>
-          <a:fillRef idx="0">
-            <a:schemeClr val="dk1"/>
-          </a:fillRef>
-          <a:effectRef idx="1">
-            <a:schemeClr val="dk1"/>
-          </a:effectRef>
-          <a:fontRef idx="minor">
-            <a:schemeClr val="tx1"/>
-          </a:fontRef>
-        </p:style>
-      </p:cxnSp>
-      <p:cxnSp>
-        <p:nvCxnSpPr>
-          <p:cNvPr id="53" name="Conector recto de flecha 52">
-            <a:extLst>
-              <a:ext uri="{FF2B5EF4-FFF2-40B4-BE49-F238E27FC236}">
-                <a16:creationId xmlns:a16="http://schemas.microsoft.com/office/drawing/2014/main" id="{77D0F054-E02F-9A88-FF6E-2BD5B82A7E0F}"/>
-              </a:ext>
-            </a:extLst>
-          </p:cNvPr>
-          <p:cNvCxnSpPr>
-            <a:cxnSpLocks/>
-          </p:cNvCxnSpPr>
-          <p:nvPr/>
-        </p:nvCxnSpPr>
-        <p:spPr>
-          <a:xfrm flipH="1">
-            <a:off x="5084913" y="6123789"/>
-            <a:ext cx="1008996" cy="4175"/>
-          </a:xfrm>
-          <a:prstGeom prst="straightConnector1">
-            <a:avLst/>
-          </a:prstGeom>
-          <a:ln>
-            <a:tailEnd type="triangle"/>
-          </a:ln>
-        </p:spPr>
-        <p:style>
-          <a:lnRef idx="2">
-            <a:schemeClr val="dk1"/>
-          </a:lnRef>
-          <a:fillRef idx="0">
-            <a:schemeClr val="dk1"/>
-          </a:fillRef>
-          <a:effectRef idx="1">
-            <a:schemeClr val="dk1"/>
           </a:effectRef>
           <a:fontRef idx="minor">
             <a:schemeClr val="tx1"/>
